--- a/Docs/Quick Reference v1.1.pptx
+++ b/Docs/Quick Reference v1.1.pptx
@@ -132,469 +132,6 @@
 </p:presentation>
 </file>
 
-<file path=ppt/changesInfos/changesInfo1.xml><?xml version="1.0" encoding="utf-8"?>
-<pc:chgInfo xmlns:a="http://schemas.openxmlformats.org/drawingml/2006/main" xmlns:r="http://schemas.openxmlformats.org/officeDocument/2006/relationships" xmlns:ac="http://schemas.microsoft.com/office/drawing/2013/main/command" xmlns:pc="http://schemas.microsoft.com/office/powerpoint/2013/main/command">
-  <pc:docChgLst>
-    <pc:chgData name="Stefano 海斗 Ledda" userId="7854732b7ef44bdd" providerId="LiveId" clId="{26A844DA-8208-41FF-841F-F6C42E820464}"/>
-    <pc:docChg chg="undo custSel addSld delSld modSld sldOrd">
-      <pc:chgData name="Stefano 海斗 Ledda" userId="7854732b7ef44bdd" providerId="LiveId" clId="{26A844DA-8208-41FF-841F-F6C42E820464}" dt="2024-04-16T11:41:26.136" v="2132" actId="20577"/>
-      <pc:docMkLst>
-        <pc:docMk/>
-      </pc:docMkLst>
-      <pc:sldChg chg="modSp mod ord">
-        <pc:chgData name="Stefano 海斗 Ledda" userId="7854732b7ef44bdd" providerId="LiveId" clId="{26A844DA-8208-41FF-841F-F6C42E820464}" dt="2024-04-16T11:19:45.506" v="2071" actId="1076"/>
-        <pc:sldMkLst>
-          <pc:docMk/>
-          <pc:sldMk cId="2644399100" sldId="258"/>
-        </pc:sldMkLst>
-        <pc:picChg chg="mod modCrop">
-          <ac:chgData name="Stefano 海斗 Ledda" userId="7854732b7ef44bdd" providerId="LiveId" clId="{26A844DA-8208-41FF-841F-F6C42E820464}" dt="2024-04-16T11:19:45.506" v="2071" actId="1076"/>
-          <ac:picMkLst>
-            <pc:docMk/>
-            <pc:sldMk cId="2644399100" sldId="258"/>
-            <ac:picMk id="4" creationId="{724EDD6B-6EF0-46E8-B0D5-305C4F9E64F4}"/>
-          </ac:picMkLst>
-        </pc:picChg>
-      </pc:sldChg>
-      <pc:sldChg chg="modSp mod ord">
-        <pc:chgData name="Stefano 海斗 Ledda" userId="7854732b7ef44bdd" providerId="LiveId" clId="{26A844DA-8208-41FF-841F-F6C42E820464}" dt="2024-04-16T10:45:55.882" v="1987"/>
-        <pc:sldMkLst>
-          <pc:docMk/>
-          <pc:sldMk cId="3027075254" sldId="261"/>
-        </pc:sldMkLst>
-        <pc:graphicFrameChg chg="mod modGraphic">
-          <ac:chgData name="Stefano 海斗 Ledda" userId="7854732b7ef44bdd" providerId="LiveId" clId="{26A844DA-8208-41FF-841F-F6C42E820464}" dt="2024-04-16T06:29:25.775" v="330" actId="1076"/>
-          <ac:graphicFrameMkLst>
-            <pc:docMk/>
-            <pc:sldMk cId="3027075254" sldId="261"/>
-            <ac:graphicFrameMk id="6" creationId="{B011AB7D-0644-45EE-8D7D-93A515A1B6AD}"/>
-          </ac:graphicFrameMkLst>
-        </pc:graphicFrameChg>
-      </pc:sldChg>
-      <pc:sldChg chg="addSp modSp mod ord">
-        <pc:chgData name="Stefano 海斗 Ledda" userId="7854732b7ef44bdd" providerId="LiveId" clId="{26A844DA-8208-41FF-841F-F6C42E820464}" dt="2024-04-16T11:00:56.205" v="2025" actId="1035"/>
-        <pc:sldMkLst>
-          <pc:docMk/>
-          <pc:sldMk cId="3310452281" sldId="262"/>
-        </pc:sldMkLst>
-        <pc:spChg chg="add mod">
-          <ac:chgData name="Stefano 海斗 Ledda" userId="7854732b7ef44bdd" providerId="LiveId" clId="{26A844DA-8208-41FF-841F-F6C42E820464}" dt="2024-04-16T11:00:56.205" v="2025" actId="1035"/>
-          <ac:spMkLst>
-            <pc:docMk/>
-            <pc:sldMk cId="3310452281" sldId="262"/>
-            <ac:spMk id="2" creationId="{0E16ACBE-E807-4B16-A132-CD17331593E7}"/>
-          </ac:spMkLst>
-        </pc:spChg>
-      </pc:sldChg>
-      <pc:sldChg chg="addSp modSp mod">
-        <pc:chgData name="Stefano 海斗 Ledda" userId="7854732b7ef44bdd" providerId="LiveId" clId="{26A844DA-8208-41FF-841F-F6C42E820464}" dt="2024-04-16T11:21:09.807" v="2073" actId="20577"/>
-        <pc:sldMkLst>
-          <pc:docMk/>
-          <pc:sldMk cId="4058584972" sldId="263"/>
-        </pc:sldMkLst>
-        <pc:spChg chg="mod">
-          <ac:chgData name="Stefano 海斗 Ledda" userId="7854732b7ef44bdd" providerId="LiveId" clId="{26A844DA-8208-41FF-841F-F6C42E820464}" dt="2024-04-16T11:21:09.807" v="2073" actId="20577"/>
-          <ac:spMkLst>
-            <pc:docMk/>
-            <pc:sldMk cId="4058584972" sldId="263"/>
-            <ac:spMk id="4" creationId="{D6502C0F-467C-4C1E-B01E-59CB5E559949}"/>
-          </ac:spMkLst>
-        </pc:spChg>
-        <pc:picChg chg="add mod modCrop">
-          <ac:chgData name="Stefano 海斗 Ledda" userId="7854732b7ef44bdd" providerId="LiveId" clId="{26A844DA-8208-41FF-841F-F6C42E820464}" dt="2024-04-16T06:26:37.334" v="310" actId="1076"/>
-          <ac:picMkLst>
-            <pc:docMk/>
-            <pc:sldMk cId="4058584972" sldId="263"/>
-            <ac:picMk id="3" creationId="{F430CBD2-FA42-4266-A2D3-487EDCB59170}"/>
-          </ac:picMkLst>
-        </pc:picChg>
-      </pc:sldChg>
-      <pc:sldChg chg="ord">
-        <pc:chgData name="Stefano 海斗 Ledda" userId="7854732b7ef44bdd" providerId="LiveId" clId="{26A844DA-8208-41FF-841F-F6C42E820464}" dt="2024-04-16T11:10:33.234" v="2027"/>
-        <pc:sldMkLst>
-          <pc:docMk/>
-          <pc:sldMk cId="199679859" sldId="267"/>
-        </pc:sldMkLst>
-      </pc:sldChg>
-      <pc:sldChg chg="modSp mod ord">
-        <pc:chgData name="Stefano 海斗 Ledda" userId="7854732b7ef44bdd" providerId="LiveId" clId="{26A844DA-8208-41FF-841F-F6C42E820464}" dt="2024-04-16T11:15:05.687" v="2036" actId="1038"/>
-        <pc:sldMkLst>
-          <pc:docMk/>
-          <pc:sldMk cId="2215190629" sldId="268"/>
-        </pc:sldMkLst>
-        <pc:picChg chg="mod">
-          <ac:chgData name="Stefano 海斗 Ledda" userId="7854732b7ef44bdd" providerId="LiveId" clId="{26A844DA-8208-41FF-841F-F6C42E820464}" dt="2024-04-16T11:15:05.687" v="2036" actId="1038"/>
-          <ac:picMkLst>
-            <pc:docMk/>
-            <pc:sldMk cId="2215190629" sldId="268"/>
-            <ac:picMk id="6" creationId="{A32DE457-7DCA-4D8A-8DFD-12D52B2A803D}"/>
-          </ac:picMkLst>
-        </pc:picChg>
-      </pc:sldChg>
-      <pc:sldChg chg="add">
-        <pc:chgData name="Stefano 海斗 Ledda" userId="7854732b7ef44bdd" providerId="LiveId" clId="{26A844DA-8208-41FF-841F-F6C42E820464}" dt="2024-04-16T06:15:30.341" v="231" actId="2890"/>
-        <pc:sldMkLst>
-          <pc:docMk/>
-          <pc:sldMk cId="1511273771" sldId="269"/>
-        </pc:sldMkLst>
-      </pc:sldChg>
-      <pc:sldChg chg="delSp modSp add del mod">
-        <pc:chgData name="Stefano 海斗 Ledda" userId="7854732b7ef44bdd" providerId="LiveId" clId="{26A844DA-8208-41FF-841F-F6C42E820464}" dt="2024-04-16T06:15:27.572" v="230" actId="47"/>
-        <pc:sldMkLst>
-          <pc:docMk/>
-          <pc:sldMk cId="2267699451" sldId="269"/>
-        </pc:sldMkLst>
-        <pc:graphicFrameChg chg="del modGraphic">
-          <ac:chgData name="Stefano 海斗 Ledda" userId="7854732b7ef44bdd" providerId="LiveId" clId="{26A844DA-8208-41FF-841F-F6C42E820464}" dt="2024-04-16T06:15:03.368" v="227" actId="478"/>
-          <ac:graphicFrameMkLst>
-            <pc:docMk/>
-            <pc:sldMk cId="2267699451" sldId="269"/>
-            <ac:graphicFrameMk id="10" creationId="{CBEFA69F-E630-4CA6-9E63-672110E04C62}"/>
-          </ac:graphicFrameMkLst>
-        </pc:graphicFrameChg>
-        <pc:picChg chg="del">
-          <ac:chgData name="Stefano 海斗 Ledda" userId="7854732b7ef44bdd" providerId="LiveId" clId="{26A844DA-8208-41FF-841F-F6C42E820464}" dt="2024-04-16T06:15:04.459" v="228" actId="478"/>
-          <ac:picMkLst>
-            <pc:docMk/>
-            <pc:sldMk cId="2267699451" sldId="269"/>
-            <ac:picMk id="3" creationId="{363A4EF2-B574-4261-BFD2-50034F7E0DE6}"/>
-          </ac:picMkLst>
-        </pc:picChg>
-        <pc:picChg chg="del">
-          <ac:chgData name="Stefano 海斗 Ledda" userId="7854732b7ef44bdd" providerId="LiveId" clId="{26A844DA-8208-41FF-841F-F6C42E820464}" dt="2024-04-16T06:15:05.229" v="229" actId="478"/>
-          <ac:picMkLst>
-            <pc:docMk/>
-            <pc:sldMk cId="2267699451" sldId="269"/>
-            <ac:picMk id="7" creationId="{53136574-37D5-4448-93D7-6DE439EB4FEB}"/>
-          </ac:picMkLst>
-        </pc:picChg>
-        <pc:picChg chg="del">
-          <ac:chgData name="Stefano 海斗 Ledda" userId="7854732b7ef44bdd" providerId="LiveId" clId="{26A844DA-8208-41FF-841F-F6C42E820464}" dt="2024-04-16T06:15:00.197" v="225" actId="478"/>
-          <ac:picMkLst>
-            <pc:docMk/>
-            <pc:sldMk cId="2267699451" sldId="269"/>
-            <ac:picMk id="9" creationId="{4BF6A66E-6A28-4547-BC92-C716F50B8641}"/>
-          </ac:picMkLst>
-        </pc:picChg>
-      </pc:sldChg>
-      <pc:sldChg chg="addSp delSp modSp add mod">
-        <pc:chgData name="Stefano 海斗 Ledda" userId="7854732b7ef44bdd" providerId="LiveId" clId="{26A844DA-8208-41FF-841F-F6C42E820464}" dt="2024-04-16T08:34:14.758" v="1043" actId="1036"/>
-        <pc:sldMkLst>
-          <pc:docMk/>
-          <pc:sldMk cId="3266449221" sldId="270"/>
-        </pc:sldMkLst>
-        <pc:spChg chg="del mod">
-          <ac:chgData name="Stefano 海斗 Ledda" userId="7854732b7ef44bdd" providerId="LiveId" clId="{26A844DA-8208-41FF-841F-F6C42E820464}" dt="2024-04-16T07:27:17.006" v="354" actId="478"/>
-          <ac:spMkLst>
-            <pc:docMk/>
-            <pc:sldMk cId="3266449221" sldId="270"/>
-            <ac:spMk id="4" creationId="{D6502C0F-467C-4C1E-B01E-59CB5E559949}"/>
-          </ac:spMkLst>
-        </pc:spChg>
-        <pc:spChg chg="add mod">
-          <ac:chgData name="Stefano 海斗 Ledda" userId="7854732b7ef44bdd" providerId="LiveId" clId="{26A844DA-8208-41FF-841F-F6C42E820464}" dt="2024-04-16T08:34:14.758" v="1043" actId="1036"/>
-          <ac:spMkLst>
-            <pc:docMk/>
-            <pc:sldMk cId="3266449221" sldId="270"/>
-            <ac:spMk id="14" creationId="{D075F7C1-4C88-42B2-92BF-3F4F5BF0E0C0}"/>
-          </ac:spMkLst>
-        </pc:spChg>
-        <pc:spChg chg="add del mod">
-          <ac:chgData name="Stefano 海斗 Ledda" userId="7854732b7ef44bdd" providerId="LiveId" clId="{26A844DA-8208-41FF-841F-F6C42E820464}" dt="2024-04-16T08:20:32.781" v="811" actId="478"/>
-          <ac:spMkLst>
-            <pc:docMk/>
-            <pc:sldMk cId="3266449221" sldId="270"/>
-            <ac:spMk id="21" creationId="{FF7F1C16-2739-4A5B-83A6-4537BF28BD6F}"/>
-          </ac:spMkLst>
-        </pc:spChg>
-        <pc:graphicFrameChg chg="add mod modGraphic">
-          <ac:chgData name="Stefano 海斗 Ledda" userId="7854732b7ef44bdd" providerId="LiveId" clId="{26A844DA-8208-41FF-841F-F6C42E820464}" dt="2024-04-16T08:33:55.382" v="1025" actId="1076"/>
-          <ac:graphicFrameMkLst>
-            <pc:docMk/>
-            <pc:sldMk cId="3266449221" sldId="270"/>
-            <ac:graphicFrameMk id="18" creationId="{C98E079D-9A44-4122-BE6F-4750D910B911}"/>
-          </ac:graphicFrameMkLst>
-        </pc:graphicFrameChg>
-        <pc:picChg chg="del">
-          <ac:chgData name="Stefano 海斗 Ledda" userId="7854732b7ef44bdd" providerId="LiveId" clId="{26A844DA-8208-41FF-841F-F6C42E820464}" dt="2024-04-16T06:31:56.368" v="350" actId="478"/>
-          <ac:picMkLst>
-            <pc:docMk/>
-            <pc:sldMk cId="3266449221" sldId="270"/>
-            <ac:picMk id="3" creationId="{6162696A-7DCA-4601-8A43-856064E8A6C6}"/>
-          </ac:picMkLst>
-        </pc:picChg>
-        <pc:picChg chg="add del mod">
-          <ac:chgData name="Stefano 海斗 Ledda" userId="7854732b7ef44bdd" providerId="LiveId" clId="{26A844DA-8208-41FF-841F-F6C42E820464}" dt="2024-04-16T07:33:17.561" v="359"/>
-          <ac:picMkLst>
-            <pc:docMk/>
-            <pc:sldMk cId="3266449221" sldId="270"/>
-            <ac:picMk id="5" creationId="{3C8B8744-721F-40AE-8F82-FC41657DD23A}"/>
-          </ac:picMkLst>
-        </pc:picChg>
-        <pc:picChg chg="del">
-          <ac:chgData name="Stefano 海斗 Ledda" userId="7854732b7ef44bdd" providerId="LiveId" clId="{26A844DA-8208-41FF-841F-F6C42E820464}" dt="2024-04-16T06:31:57.057" v="351" actId="478"/>
-          <ac:picMkLst>
-            <pc:docMk/>
-            <pc:sldMk cId="3266449221" sldId="270"/>
-            <ac:picMk id="6" creationId="{A32DE457-7DCA-4D8A-8DFD-12D52B2A803D}"/>
-          </ac:picMkLst>
-        </pc:picChg>
-        <pc:picChg chg="add del mod">
-          <ac:chgData name="Stefano 海斗 Ledda" userId="7854732b7ef44bdd" providerId="LiveId" clId="{26A844DA-8208-41FF-841F-F6C42E820464}" dt="2024-04-16T07:35:21.794" v="362" actId="478"/>
-          <ac:picMkLst>
-            <pc:docMk/>
-            <pc:sldMk cId="3266449221" sldId="270"/>
-            <ac:picMk id="8" creationId="{3FAA6D99-9AD6-4A7F-82C0-7ADEC860EBAA}"/>
-          </ac:picMkLst>
-        </pc:picChg>
-        <pc:picChg chg="add del mod">
-          <ac:chgData name="Stefano 海斗 Ledda" userId="7854732b7ef44bdd" providerId="LiveId" clId="{26A844DA-8208-41FF-841F-F6C42E820464}" dt="2024-04-16T07:35:36.006" v="364" actId="478"/>
-          <ac:picMkLst>
-            <pc:docMk/>
-            <pc:sldMk cId="3266449221" sldId="270"/>
-            <ac:picMk id="10" creationId="{100A2673-DAC0-4E20-AB2D-DD3E77DBA68C}"/>
-          </ac:picMkLst>
-        </pc:picChg>
-        <pc:picChg chg="add mod">
-          <ac:chgData name="Stefano 海斗 Ledda" userId="7854732b7ef44bdd" providerId="LiveId" clId="{26A844DA-8208-41FF-841F-F6C42E820464}" dt="2024-04-16T08:34:14.758" v="1043" actId="1036"/>
-          <ac:picMkLst>
-            <pc:docMk/>
-            <pc:sldMk cId="3266449221" sldId="270"/>
-            <ac:picMk id="12" creationId="{B6299D29-A2D7-4F2D-80F3-B08F29439288}"/>
-          </ac:picMkLst>
-        </pc:picChg>
-        <pc:picChg chg="add del mod">
-          <ac:chgData name="Stefano 海斗 Ledda" userId="7854732b7ef44bdd" providerId="LiveId" clId="{26A844DA-8208-41FF-841F-F6C42E820464}" dt="2024-04-16T08:03:53.118" v="445" actId="478"/>
-          <ac:picMkLst>
-            <pc:docMk/>
-            <pc:sldMk cId="3266449221" sldId="270"/>
-            <ac:picMk id="15" creationId="{5B16F437-221C-4B28-B05A-60154BCB7F23}"/>
-          </ac:picMkLst>
-        </pc:picChg>
-        <pc:picChg chg="add mod">
-          <ac:chgData name="Stefano 海斗 Ledda" userId="7854732b7ef44bdd" providerId="LiveId" clId="{26A844DA-8208-41FF-841F-F6C42E820464}" dt="2024-04-16T08:34:03.459" v="1026" actId="14100"/>
-          <ac:picMkLst>
-            <pc:docMk/>
-            <pc:sldMk cId="3266449221" sldId="270"/>
-            <ac:picMk id="17" creationId="{F8431E41-47AE-4328-B7CA-828393E0C96E}"/>
-          </ac:picMkLst>
-        </pc:picChg>
-        <pc:picChg chg="add del mod">
-          <ac:chgData name="Stefano 海斗 Ledda" userId="7854732b7ef44bdd" providerId="LiveId" clId="{26A844DA-8208-41FF-841F-F6C42E820464}" dt="2024-04-16T07:32:45.874" v="355" actId="478"/>
-          <ac:picMkLst>
-            <pc:docMk/>
-            <pc:sldMk cId="3266449221" sldId="270"/>
-            <ac:picMk id="1026" creationId="{03BCFFBD-EB07-494F-8822-3369099BDDA5}"/>
-          </ac:picMkLst>
-        </pc:picChg>
-        <pc:picChg chg="add del mod">
-          <ac:chgData name="Stefano 海斗 Ledda" userId="7854732b7ef44bdd" providerId="LiveId" clId="{26A844DA-8208-41FF-841F-F6C42E820464}" dt="2024-04-16T07:53:29.304" v="442" actId="478"/>
-          <ac:picMkLst>
-            <pc:docMk/>
-            <pc:sldMk cId="3266449221" sldId="270"/>
-            <ac:picMk id="1028" creationId="{98A8183C-F40D-41F0-A723-F7BA9D738786}"/>
-          </ac:picMkLst>
-        </pc:picChg>
-        <pc:picChg chg="add del mod">
-          <ac:chgData name="Stefano 海斗 Ledda" userId="7854732b7ef44bdd" providerId="LiveId" clId="{26A844DA-8208-41FF-841F-F6C42E820464}" dt="2024-04-16T07:46:26.813" v="441"/>
-          <ac:picMkLst>
-            <pc:docMk/>
-            <pc:sldMk cId="3266449221" sldId="270"/>
-            <ac:picMk id="1030" creationId="{B5DEEA00-C387-4246-9C1F-36887CE20305}"/>
-          </ac:picMkLst>
-        </pc:picChg>
-        <pc:picChg chg="add del mod">
-          <ac:chgData name="Stefano 海斗 Ledda" userId="7854732b7ef44bdd" providerId="LiveId" clId="{26A844DA-8208-41FF-841F-F6C42E820464}" dt="2024-04-16T08:32:33.051" v="998" actId="478"/>
-          <ac:picMkLst>
-            <pc:docMk/>
-            <pc:sldMk cId="3266449221" sldId="270"/>
-            <ac:picMk id="1032" creationId="{38CBE0BD-58A5-4574-BBC3-83A65ACCF411}"/>
-          </ac:picMkLst>
-        </pc:picChg>
-      </pc:sldChg>
-      <pc:sldChg chg="addSp delSp modSp add mod">
-        <pc:chgData name="Stefano 海斗 Ledda" userId="7854732b7ef44bdd" providerId="LiveId" clId="{26A844DA-8208-41FF-841F-F6C42E820464}" dt="2024-04-16T08:32:04.085" v="997" actId="14100"/>
-        <pc:sldMkLst>
-          <pc:docMk/>
-          <pc:sldMk cId="657550155" sldId="271"/>
-        </pc:sldMkLst>
-        <pc:spChg chg="add del">
-          <ac:chgData name="Stefano 海斗 Ledda" userId="7854732b7ef44bdd" providerId="LiveId" clId="{26A844DA-8208-41FF-841F-F6C42E820464}" dt="2024-04-16T08:29:23.955" v="989" actId="478"/>
-          <ac:spMkLst>
-            <pc:docMk/>
-            <pc:sldMk cId="657550155" sldId="271"/>
-            <ac:spMk id="2" creationId="{6ECAB42E-3740-4DC9-BB3F-852AB3120F2B}"/>
-          </ac:spMkLst>
-        </pc:spChg>
-        <pc:spChg chg="add del">
-          <ac:chgData name="Stefano 海斗 Ledda" userId="7854732b7ef44bdd" providerId="LiveId" clId="{26A844DA-8208-41FF-841F-F6C42E820464}" dt="2024-04-16T08:30:13.724" v="991" actId="478"/>
-          <ac:spMkLst>
-            <pc:docMk/>
-            <pc:sldMk cId="657550155" sldId="271"/>
-            <ac:spMk id="3" creationId="{8D521FBC-A37E-4691-9A25-66EE429B7AC1}"/>
-          </ac:spMkLst>
-        </pc:spChg>
-        <pc:spChg chg="del">
-          <ac:chgData name="Stefano 海斗 Ledda" userId="7854732b7ef44bdd" providerId="LiveId" clId="{26A844DA-8208-41FF-841F-F6C42E820464}" dt="2024-04-16T08:29:07.619" v="985" actId="478"/>
-          <ac:spMkLst>
-            <pc:docMk/>
-            <pc:sldMk cId="657550155" sldId="271"/>
-            <ac:spMk id="14" creationId="{D075F7C1-4C88-42B2-92BF-3F4F5BF0E0C0}"/>
-          </ac:spMkLst>
-        </pc:spChg>
-        <pc:graphicFrameChg chg="del">
-          <ac:chgData name="Stefano 海斗 Ledda" userId="7854732b7ef44bdd" providerId="LiveId" clId="{26A844DA-8208-41FF-841F-F6C42E820464}" dt="2024-04-16T08:29:11.779" v="987" actId="478"/>
-          <ac:graphicFrameMkLst>
-            <pc:docMk/>
-            <pc:sldMk cId="657550155" sldId="271"/>
-            <ac:graphicFrameMk id="18" creationId="{C98E079D-9A44-4122-BE6F-4750D910B911}"/>
-          </ac:graphicFrameMkLst>
-        </pc:graphicFrameChg>
-        <pc:picChg chg="add mod">
-          <ac:chgData name="Stefano 海斗 Ledda" userId="7854732b7ef44bdd" providerId="LiveId" clId="{26A844DA-8208-41FF-841F-F6C42E820464}" dt="2024-04-16T08:31:56.960" v="996" actId="1076"/>
-          <ac:picMkLst>
-            <pc:docMk/>
-            <pc:sldMk cId="657550155" sldId="271"/>
-            <ac:picMk id="5" creationId="{56090145-5375-478B-8B4A-E0F5BA7E8892}"/>
-          </ac:picMkLst>
-        </pc:picChg>
-        <pc:picChg chg="del">
-          <ac:chgData name="Stefano 海斗 Ledda" userId="7854732b7ef44bdd" providerId="LiveId" clId="{26A844DA-8208-41FF-841F-F6C42E820464}" dt="2024-04-16T08:29:05.877" v="983" actId="478"/>
-          <ac:picMkLst>
-            <pc:docMk/>
-            <pc:sldMk cId="657550155" sldId="271"/>
-            <ac:picMk id="12" creationId="{B6299D29-A2D7-4F2D-80F3-B08F29439288}"/>
-          </ac:picMkLst>
-        </pc:picChg>
-        <pc:picChg chg="del">
-          <ac:chgData name="Stefano 海斗 Ledda" userId="7854732b7ef44bdd" providerId="LiveId" clId="{26A844DA-8208-41FF-841F-F6C42E820464}" dt="2024-04-16T08:29:06.650" v="984" actId="478"/>
-          <ac:picMkLst>
-            <pc:docMk/>
-            <pc:sldMk cId="657550155" sldId="271"/>
-            <ac:picMk id="17" creationId="{F8431E41-47AE-4328-B7CA-828393E0C96E}"/>
-          </ac:picMkLst>
-        </pc:picChg>
-        <pc:picChg chg="del">
-          <ac:chgData name="Stefano 海斗 Ledda" userId="7854732b7ef44bdd" providerId="LiveId" clId="{26A844DA-8208-41FF-841F-F6C42E820464}" dt="2024-04-16T08:29:08.645" v="986" actId="478"/>
-          <ac:picMkLst>
-            <pc:docMk/>
-            <pc:sldMk cId="657550155" sldId="271"/>
-            <ac:picMk id="1032" creationId="{38CBE0BD-58A5-4574-BBC3-83A65ACCF411}"/>
-          </ac:picMkLst>
-        </pc:picChg>
-        <pc:picChg chg="add mod">
-          <ac:chgData name="Stefano 海斗 Ledda" userId="7854732b7ef44bdd" providerId="LiveId" clId="{26A844DA-8208-41FF-841F-F6C42E820464}" dt="2024-04-16T08:32:04.085" v="997" actId="14100"/>
-          <ac:picMkLst>
-            <pc:docMk/>
-            <pc:sldMk cId="657550155" sldId="271"/>
-            <ac:picMk id="2054" creationId="{71382FCC-9746-4F76-A268-1A6ED3CBFDB8}"/>
-          </ac:picMkLst>
-        </pc:picChg>
-      </pc:sldChg>
-      <pc:sldChg chg="delSp new del mod">
-        <pc:chgData name="Stefano 海斗 Ledda" userId="7854732b7ef44bdd" providerId="LiveId" clId="{26A844DA-8208-41FF-841F-F6C42E820464}" dt="2024-04-16T08:35:37.391" v="1048" actId="47"/>
-        <pc:sldMkLst>
-          <pc:docMk/>
-          <pc:sldMk cId="455631626" sldId="272"/>
-        </pc:sldMkLst>
-        <pc:spChg chg="del">
-          <ac:chgData name="Stefano 海斗 Ledda" userId="7854732b7ef44bdd" providerId="LiveId" clId="{26A844DA-8208-41FF-841F-F6C42E820464}" dt="2024-04-16T08:35:32.260" v="1045" actId="478"/>
-          <ac:spMkLst>
-            <pc:docMk/>
-            <pc:sldMk cId="455631626" sldId="272"/>
-            <ac:spMk id="2" creationId="{F1E868A4-A866-46A9-9558-5AC5531B237A}"/>
-          </ac:spMkLst>
-        </pc:spChg>
-        <pc:spChg chg="del">
-          <ac:chgData name="Stefano 海斗 Ledda" userId="7854732b7ef44bdd" providerId="LiveId" clId="{26A844DA-8208-41FF-841F-F6C42E820464}" dt="2024-04-16T08:35:33.340" v="1046" actId="478"/>
-          <ac:spMkLst>
-            <pc:docMk/>
-            <pc:sldMk cId="455631626" sldId="272"/>
-            <ac:spMk id="3" creationId="{34441A72-4E97-4B12-92EB-5A4096966B47}"/>
-          </ac:spMkLst>
-        </pc:spChg>
-      </pc:sldChg>
-      <pc:sldChg chg="delSp modSp add mod">
-        <pc:chgData name="Stefano 海斗 Ledda" userId="7854732b7ef44bdd" providerId="LiveId" clId="{26A844DA-8208-41FF-841F-F6C42E820464}" dt="2024-04-16T11:17:09.323" v="2042" actId="6549"/>
-        <pc:sldMkLst>
-          <pc:docMk/>
-          <pc:sldMk cId="3216768292" sldId="273"/>
-        </pc:sldMkLst>
-        <pc:spChg chg="mod">
-          <ac:chgData name="Stefano 海斗 Ledda" userId="7854732b7ef44bdd" providerId="LiveId" clId="{26A844DA-8208-41FF-841F-F6C42E820464}" dt="2024-04-16T11:17:09.323" v="2042" actId="6549"/>
-          <ac:spMkLst>
-            <pc:docMk/>
-            <pc:sldMk cId="3216768292" sldId="273"/>
-            <ac:spMk id="4" creationId="{D6502C0F-467C-4C1E-B01E-59CB5E559949}"/>
-          </ac:spMkLst>
-        </pc:spChg>
-        <pc:picChg chg="del">
-          <ac:chgData name="Stefano 海斗 Ledda" userId="7854732b7ef44bdd" providerId="LiveId" clId="{26A844DA-8208-41FF-841F-F6C42E820464}" dt="2024-04-16T08:37:07.115" v="1061" actId="478"/>
-          <ac:picMkLst>
-            <pc:docMk/>
-            <pc:sldMk cId="3216768292" sldId="273"/>
-            <ac:picMk id="3" creationId="{F430CBD2-FA42-4266-A2D3-487EDCB59170}"/>
-          </ac:picMkLst>
-        </pc:picChg>
-      </pc:sldChg>
-      <pc:sldChg chg="new del ord">
-        <pc:chgData name="Stefano 海斗 Ledda" userId="7854732b7ef44bdd" providerId="LiveId" clId="{26A844DA-8208-41FF-841F-F6C42E820464}" dt="2024-04-16T10:41:11.268" v="1885" actId="47"/>
-        <pc:sldMkLst>
-          <pc:docMk/>
-          <pc:sldMk cId="192317947" sldId="274"/>
-        </pc:sldMkLst>
-      </pc:sldChg>
-      <pc:sldChg chg="addSp modSp add mod">
-        <pc:chgData name="Stefano 海斗 Ledda" userId="7854732b7ef44bdd" providerId="LiveId" clId="{26A844DA-8208-41FF-841F-F6C42E820464}" dt="2024-04-16T11:18:46.669" v="2064" actId="20577"/>
-        <pc:sldMkLst>
-          <pc:docMk/>
-          <pc:sldMk cId="2163980258" sldId="275"/>
-        </pc:sldMkLst>
-        <pc:spChg chg="mod">
-          <ac:chgData name="Stefano 海斗 Ledda" userId="7854732b7ef44bdd" providerId="LiveId" clId="{26A844DA-8208-41FF-841F-F6C42E820464}" dt="2024-04-16T11:18:46.669" v="2064" actId="20577"/>
-          <ac:spMkLst>
-            <pc:docMk/>
-            <pc:sldMk cId="2163980258" sldId="275"/>
-            <ac:spMk id="4" creationId="{D6502C0F-467C-4C1E-B01E-59CB5E559949}"/>
-          </ac:spMkLst>
-        </pc:spChg>
-        <pc:picChg chg="add mod">
-          <ac:chgData name="Stefano 海斗 Ledda" userId="7854732b7ef44bdd" providerId="LiveId" clId="{26A844DA-8208-41FF-841F-F6C42E820464}" dt="2024-04-16T10:43:10.927" v="1966"/>
-          <ac:picMkLst>
-            <pc:docMk/>
-            <pc:sldMk cId="2163980258" sldId="275"/>
-            <ac:picMk id="3" creationId="{C537C924-9312-457A-99E4-79F29C2F62BF}"/>
-          </ac:picMkLst>
-        </pc:picChg>
-      </pc:sldChg>
-      <pc:sldChg chg="modSp new mod">
-        <pc:chgData name="Stefano 海斗 Ledda" userId="7854732b7ef44bdd" providerId="LiveId" clId="{26A844DA-8208-41FF-841F-F6C42E820464}" dt="2024-04-16T11:41:26.136" v="2132" actId="20577"/>
-        <pc:sldMkLst>
-          <pc:docMk/>
-          <pc:sldMk cId="2982693879" sldId="276"/>
-        </pc:sldMkLst>
-        <pc:spChg chg="mod">
-          <ac:chgData name="Stefano 海斗 Ledda" userId="7854732b7ef44bdd" providerId="LiveId" clId="{26A844DA-8208-41FF-841F-F6C42E820464}" dt="2024-04-16T11:41:07.037" v="2081" actId="20577"/>
-          <ac:spMkLst>
-            <pc:docMk/>
-            <pc:sldMk cId="2982693879" sldId="276"/>
-            <ac:spMk id="2" creationId="{EFDFCC1A-3D2D-43FD-BE02-8813831D3926}"/>
-          </ac:spMkLst>
-        </pc:spChg>
-        <pc:spChg chg="mod">
-          <ac:chgData name="Stefano 海斗 Ledda" userId="7854732b7ef44bdd" providerId="LiveId" clId="{26A844DA-8208-41FF-841F-F6C42E820464}" dt="2024-04-16T11:41:26.136" v="2132" actId="20577"/>
-          <ac:spMkLst>
-            <pc:docMk/>
-            <pc:sldMk cId="2982693879" sldId="276"/>
-            <ac:spMk id="3" creationId="{20704E3D-2589-4536-BA7D-792962E0128F}"/>
-          </ac:spMkLst>
-        </pc:spChg>
-      </pc:sldChg>
-    </pc:docChg>
-  </pc:docChgLst>
-</pc:chgInfo>
-</file>
-
 <file path=ppt/slideLayouts/slideLayout1.xml><?xml version="1.0" encoding="utf-8"?>
 <p:sldLayout xmlns:a="http://schemas.openxmlformats.org/drawingml/2006/main" xmlns:r="http://schemas.openxmlformats.org/officeDocument/2006/relationships" xmlns:p="http://schemas.openxmlformats.org/presentationml/2006/main" type="title" preserve="1">
   <p:cSld name="Diapositiva titolo">
@@ -742,7 +279,7 @@
           <a:p>
             <a:fld id="{7E087FC2-37C2-4125-807E-1D9B6D61F791}" type="datetimeFigureOut">
               <a:rPr lang="it-IT" smtClean="0"/>
-              <a:t>16/04/2024</a:t>
+              <a:t>18/04/2024</a:t>
             </a:fld>
             <a:endParaRPr lang="it-IT"/>
           </a:p>
@@ -940,7 +477,7 @@
           <a:p>
             <a:fld id="{7E087FC2-37C2-4125-807E-1D9B6D61F791}" type="datetimeFigureOut">
               <a:rPr lang="it-IT" smtClean="0"/>
-              <a:t>16/04/2024</a:t>
+              <a:t>18/04/2024</a:t>
             </a:fld>
             <a:endParaRPr lang="it-IT"/>
           </a:p>
@@ -1148,7 +685,7 @@
           <a:p>
             <a:fld id="{7E087FC2-37C2-4125-807E-1D9B6D61F791}" type="datetimeFigureOut">
               <a:rPr lang="it-IT" smtClean="0"/>
-              <a:t>16/04/2024</a:t>
+              <a:t>18/04/2024</a:t>
             </a:fld>
             <a:endParaRPr lang="it-IT"/>
           </a:p>
@@ -1346,7 +883,7 @@
           <a:p>
             <a:fld id="{7E087FC2-37C2-4125-807E-1D9B6D61F791}" type="datetimeFigureOut">
               <a:rPr lang="it-IT" smtClean="0"/>
-              <a:t>16/04/2024</a:t>
+              <a:t>18/04/2024</a:t>
             </a:fld>
             <a:endParaRPr lang="it-IT"/>
           </a:p>
@@ -1621,7 +1158,7 @@
           <a:p>
             <a:fld id="{7E087FC2-37C2-4125-807E-1D9B6D61F791}" type="datetimeFigureOut">
               <a:rPr lang="it-IT" smtClean="0"/>
-              <a:t>16/04/2024</a:t>
+              <a:t>18/04/2024</a:t>
             </a:fld>
             <a:endParaRPr lang="it-IT"/>
           </a:p>
@@ -1886,7 +1423,7 @@
           <a:p>
             <a:fld id="{7E087FC2-37C2-4125-807E-1D9B6D61F791}" type="datetimeFigureOut">
               <a:rPr lang="it-IT" smtClean="0"/>
-              <a:t>16/04/2024</a:t>
+              <a:t>18/04/2024</a:t>
             </a:fld>
             <a:endParaRPr lang="it-IT"/>
           </a:p>
@@ -2298,7 +1835,7 @@
           <a:p>
             <a:fld id="{7E087FC2-37C2-4125-807E-1D9B6D61F791}" type="datetimeFigureOut">
               <a:rPr lang="it-IT" smtClean="0"/>
-              <a:t>16/04/2024</a:t>
+              <a:t>18/04/2024</a:t>
             </a:fld>
             <a:endParaRPr lang="it-IT"/>
           </a:p>
@@ -2439,7 +1976,7 @@
           <a:p>
             <a:fld id="{7E087FC2-37C2-4125-807E-1D9B6D61F791}" type="datetimeFigureOut">
               <a:rPr lang="it-IT" smtClean="0"/>
-              <a:t>16/04/2024</a:t>
+              <a:t>18/04/2024</a:t>
             </a:fld>
             <a:endParaRPr lang="it-IT"/>
           </a:p>
@@ -2552,7 +2089,7 @@
           <a:p>
             <a:fld id="{7E087FC2-37C2-4125-807E-1D9B6D61F791}" type="datetimeFigureOut">
               <a:rPr lang="it-IT" smtClean="0"/>
-              <a:t>16/04/2024</a:t>
+              <a:t>18/04/2024</a:t>
             </a:fld>
             <a:endParaRPr lang="it-IT"/>
           </a:p>
@@ -2863,7 +2400,7 @@
           <a:p>
             <a:fld id="{7E087FC2-37C2-4125-807E-1D9B6D61F791}" type="datetimeFigureOut">
               <a:rPr lang="it-IT" smtClean="0"/>
-              <a:t>16/04/2024</a:t>
+              <a:t>18/04/2024</a:t>
             </a:fld>
             <a:endParaRPr lang="it-IT"/>
           </a:p>
@@ -3151,7 +2688,7 @@
           <a:p>
             <a:fld id="{7E087FC2-37C2-4125-807E-1D9B6D61F791}" type="datetimeFigureOut">
               <a:rPr lang="it-IT" smtClean="0"/>
-              <a:t>16/04/2024</a:t>
+              <a:t>18/04/2024</a:t>
             </a:fld>
             <a:endParaRPr lang="it-IT"/>
           </a:p>
@@ -3392,7 +2929,7 @@
           <a:p>
             <a:fld id="{7E087FC2-37C2-4125-807E-1D9B6D61F791}" type="datetimeFigureOut">
               <a:rPr lang="it-IT" smtClean="0"/>
-              <a:t>16/04/2024</a:t>
+              <a:t>18/04/2024</a:t>
             </a:fld>
             <a:endParaRPr lang="it-IT"/>
           </a:p>
@@ -5528,25 +5065,7 @@
                 </a:solidFill>
                 <a:latin typeface="Cascadia Mono" panose="020B0609020000020004" pitchFamily="49" charset="0"/>
               </a:rPr>
-              <a:t> che verrà chiamata </a:t>
-            </a:r>
-            <a:r>
-              <a:rPr lang="it-IT" sz="1400" dirty="0" smtClean="0">
-                <a:solidFill>
-                  <a:srgbClr val="008000"/>
-                </a:solidFill>
-                <a:latin typeface="Cascadia Mono" panose="020B0609020000020004" pitchFamily="49" charset="0"/>
-              </a:rPr>
-              <a:t>ogni </a:t>
-            </a:r>
-            <a:r>
-              <a:rPr lang="it-IT" sz="1400" dirty="0">
-                <a:solidFill>
-                  <a:srgbClr val="008000"/>
-                </a:solidFill>
-                <a:latin typeface="Cascadia Mono" panose="020B0609020000020004" pitchFamily="49" charset="0"/>
-              </a:rPr>
-              <a:t>qualvolta che il joypad si disconnette</a:t>
+              <a:t> che verrà chiamata ogni qualvolta che il joypad si disconnette</a:t>
             </a:r>
             <a:endParaRPr lang="it-IT" sz="1400" dirty="0">
               <a:solidFill>
@@ -7472,11 +6991,14 @@
               <a:t>  </a:t>
             </a:r>
             <a:r>
-              <a:rPr lang="it-IT" sz="1400" dirty="0">
-                <a:latin typeface="Cascadia Mono" panose="020B0609020000020004" pitchFamily="49" charset="0"/>
-              </a:rPr>
-              <a:t>– SIGNAL</a:t>
-            </a:r>
+              <a:rPr lang="it-IT" sz="1400">
+                <a:latin typeface="Cascadia Mono" panose="020B0609020000020004" pitchFamily="49" charset="0"/>
+              </a:rPr>
+              <a:t>– GND</a:t>
+            </a:r>
+            <a:endParaRPr lang="it-IT" sz="1400" dirty="0">
+              <a:latin typeface="Cascadia Mono" panose="020B0609020000020004" pitchFamily="49" charset="0"/>
+            </a:endParaRPr>
           </a:p>
           <a:p>
             <a:r>
@@ -7527,7 +7049,7 @@
               <a:rPr lang="it-IT" sz="1400" dirty="0">
                 <a:latin typeface="Cascadia Mono" panose="020B0609020000020004" pitchFamily="49" charset="0"/>
               </a:rPr>
-              <a:t>- GND</a:t>
+              <a:t>- SIGNAL</a:t>
             </a:r>
           </a:p>
         </p:txBody>
@@ -7583,14 +7105,14 @@
           <p:nvPr>
             <p:extLst>
               <p:ext uri="{D42A27DB-BD31-4B8C-83A1-F6EECF244321}">
-                <p14:modId xmlns:p14="http://schemas.microsoft.com/office/powerpoint/2010/main" val="1913472766"/>
+                <p14:modId xmlns:p14="http://schemas.microsoft.com/office/powerpoint/2010/main" val="1054695690"/>
               </p:ext>
             </p:extLst>
           </p:nvPr>
         </p:nvGraphicFramePr>
         <p:xfrm>
-          <a:off x="1648691" y="4877913"/>
-          <a:ext cx="8894618" cy="1651000"/>
+          <a:off x="1551709" y="4861287"/>
+          <a:ext cx="9088582" cy="1651000"/>
         </p:xfrm>
         <a:graphic>
           <a:graphicData uri="http://schemas.openxmlformats.org/drawingml/2006/table">
@@ -7599,14 +7121,14 @@
                 <a:tableStyleId>{5C22544A-7EE6-4342-B048-85BDC9FD1C3A}</a:tableStyleId>
               </a:tblPr>
               <a:tblGrid>
-                <a:gridCol w="2657646">
+                <a:gridCol w="2984269">
                   <a:extLst>
                     <a:ext uri="{9D8B030D-6E8A-4147-A177-3AD203B41FA5}">
                       <a16:colId xmlns:a16="http://schemas.microsoft.com/office/drawing/2014/main" val="2824509628"/>
                     </a:ext>
                   </a:extLst>
                 </a:gridCol>
-                <a:gridCol w="6236972">
+                <a:gridCol w="6104313">
                   <a:extLst>
                     <a:ext uri="{9D8B030D-6E8A-4147-A177-3AD203B41FA5}">
                       <a16:colId xmlns:a16="http://schemas.microsoft.com/office/drawing/2014/main" val="2066783207"/>
@@ -7630,7 +7152,7 @@
                           <a:latin typeface="Cascadia Mono" panose="020B0609020000020004" pitchFamily="49" charset="0"/>
                           <a:cs typeface="Cascadia Mono" panose="020B0609020000020004" pitchFamily="49" charset="0"/>
                         </a:rPr>
-                        <a:t>Standard Servo</a:t>
+                        <a:t>Standard Servo (180º)</a:t>
                       </a:r>
                     </a:p>
                   </a:txBody>
@@ -7687,7 +7209,7 @@
                           <a:latin typeface="Cascadia Mono" panose="020B0609020000020004" pitchFamily="49" charset="0"/>
                           <a:cs typeface="Cascadia Mono" panose="020B0609020000020004" pitchFamily="49" charset="0"/>
                         </a:rPr>
-                        <a:t>The </a:t>
+                        <a:t>The output </a:t>
                       </a:r>
                       <a:r>
                         <a:rPr lang="it-IT" sz="1800" b="0" dirty="0" err="1">
@@ -7697,7 +7219,7 @@
                           <a:latin typeface="Cascadia Mono" panose="020B0609020000020004" pitchFamily="49" charset="0"/>
                           <a:cs typeface="Cascadia Mono" panose="020B0609020000020004" pitchFamily="49" charset="0"/>
                         </a:rPr>
-                        <a:t>pinion</a:t>
+                        <a:t>shaft</a:t>
                       </a:r>
                       <a:r>
                         <a:rPr lang="it-IT" sz="1800" b="0" dirty="0">
@@ -7717,7 +7239,7 @@
                           <a:latin typeface="Cascadia Mono" panose="020B0609020000020004" pitchFamily="49" charset="0"/>
                           <a:cs typeface="Cascadia Mono" panose="020B0609020000020004" pitchFamily="49" charset="0"/>
                         </a:rPr>
-                        <a:t>moves</a:t>
+                        <a:t>rotates</a:t>
                       </a:r>
                       <a:r>
                         <a:rPr lang="it-IT" sz="1800" b="0" dirty="0">
@@ -7850,7 +7372,7 @@
                           <a:latin typeface="Cascadia Mono" panose="020B0609020000020004" pitchFamily="49" charset="0"/>
                           <a:cs typeface="Cascadia Mono" panose="020B0609020000020004" pitchFamily="49" charset="0"/>
                         </a:rPr>
-                        <a:t>The </a:t>
+                        <a:t>The output </a:t>
                       </a:r>
                       <a:r>
                         <a:rPr lang="it-IT" sz="1800" b="0" dirty="0" err="1">
@@ -7860,7 +7382,7 @@
                           <a:latin typeface="Cascadia Mono" panose="020B0609020000020004" pitchFamily="49" charset="0"/>
                           <a:cs typeface="Cascadia Mono" panose="020B0609020000020004" pitchFamily="49" charset="0"/>
                         </a:rPr>
-                        <a:t>pinion</a:t>
+                        <a:t>shaft</a:t>
                       </a:r>
                       <a:r>
                         <a:rPr lang="it-IT" sz="1800" b="0" dirty="0">
@@ -10150,34 +9672,16 @@
                 </a:solidFill>
                 <a:latin typeface="Cascadia Mono" panose="020B0609020000020004" pitchFamily="49" charset="0"/>
               </a:rPr>
-              <a:t>       </a:t>
-            </a:r>
-            <a:r>
-              <a:rPr lang="it-IT" sz="1400" dirty="0" smtClean="0">
-                <a:solidFill>
-                  <a:srgbClr val="000000"/>
-                </a:solidFill>
-                <a:latin typeface="Cascadia Mono" panose="020B0609020000020004" pitchFamily="49" charset="0"/>
-              </a:rPr>
-              <a:t>                                    </a:t>
-            </a:r>
-            <a:r>
-              <a:rPr lang="it-IT" sz="1400" dirty="0" smtClean="0">
-                <a:solidFill>
-                  <a:srgbClr val="008000"/>
-                </a:solidFill>
-                <a:latin typeface="Cascadia Mono" panose="020B0609020000020004" pitchFamily="49" charset="0"/>
-              </a:rPr>
-              <a:t>// </a:t>
-            </a:r>
-            <a:r>
-              <a:rPr lang="it-IT" sz="1400" dirty="0">
-                <a:solidFill>
-                  <a:srgbClr val="008000"/>
-                </a:solidFill>
-                <a:latin typeface="Cascadia Mono" panose="020B0609020000020004" pitchFamily="49" charset="0"/>
-              </a:rPr>
-              <a:t>se non stai cosa stai facendo, lascia questo </a:t>
+              <a:t>                                           </a:t>
+            </a:r>
+            <a:r>
+              <a:rPr lang="it-IT" sz="1400" dirty="0">
+                <a:solidFill>
+                  <a:srgbClr val="008000"/>
+                </a:solidFill>
+                <a:latin typeface="Cascadia Mono" panose="020B0609020000020004" pitchFamily="49" charset="0"/>
+              </a:rPr>
+              <a:t>// se non stai cosa stai facendo, lascia questo </a:t>
             </a:r>
             <a:r>
               <a:rPr lang="it-IT" sz="1400" dirty="0" err="1">
@@ -10203,34 +9707,16 @@
                 </a:solidFill>
                 <a:latin typeface="Cascadia Mono" panose="020B0609020000020004" pitchFamily="49" charset="0"/>
               </a:rPr>
-              <a:t>   </a:t>
-            </a:r>
-            <a:r>
-              <a:rPr lang="it-IT" sz="1400" dirty="0" smtClean="0">
-                <a:solidFill>
-                  <a:srgbClr val="000000"/>
-                </a:solidFill>
-                <a:latin typeface="Cascadia Mono" panose="020B0609020000020004" pitchFamily="49" charset="0"/>
-              </a:rPr>
-              <a:t>                                        </a:t>
-            </a:r>
-            <a:r>
-              <a:rPr lang="it-IT" sz="1400" dirty="0" smtClean="0">
-                <a:solidFill>
-                  <a:srgbClr val="008000"/>
-                </a:solidFill>
-                <a:latin typeface="Cascadia Mono" panose="020B0609020000020004" pitchFamily="49" charset="0"/>
-              </a:rPr>
-              <a:t>// </a:t>
-            </a:r>
-            <a:r>
-              <a:rPr lang="it-IT" sz="1400" dirty="0">
-                <a:solidFill>
-                  <a:srgbClr val="008000"/>
-                </a:solidFill>
-                <a:latin typeface="Cascadia Mono" panose="020B0609020000020004" pitchFamily="49" charset="0"/>
-              </a:rPr>
-              <a:t>DEVE ESSERE DIVERSO PER OGNI MOTORE/SERVO</a:t>
+              <a:t>                                           </a:t>
+            </a:r>
+            <a:r>
+              <a:rPr lang="it-IT" sz="1400" dirty="0">
+                <a:solidFill>
+                  <a:srgbClr val="008000"/>
+                </a:solidFill>
+                <a:latin typeface="Cascadia Mono" panose="020B0609020000020004" pitchFamily="49" charset="0"/>
+              </a:rPr>
+              <a:t>// DEVE ESSERE DIVERSO PER OGNI MOTORE/SERVO</a:t>
             </a:r>
             <a:endParaRPr lang="it-IT" sz="1400" dirty="0">
               <a:solidFill>
@@ -10353,34 +9839,16 @@
                 </a:solidFill>
                 <a:latin typeface="Cascadia Mono" panose="020B0609020000020004" pitchFamily="49" charset="0"/>
               </a:rPr>
-              <a:t>   </a:t>
-            </a:r>
-            <a:r>
-              <a:rPr lang="it-IT" sz="1400" dirty="0" smtClean="0">
-                <a:solidFill>
-                  <a:srgbClr val="000000"/>
-                </a:solidFill>
-                <a:latin typeface="Cascadia Mono" panose="020B0609020000020004" pitchFamily="49" charset="0"/>
-              </a:rPr>
-              <a:t>                                        </a:t>
-            </a:r>
-            <a:r>
-              <a:rPr lang="it-IT" sz="1400" dirty="0" smtClean="0">
-                <a:solidFill>
-                  <a:srgbClr val="008000"/>
-                </a:solidFill>
-                <a:latin typeface="Cascadia Mono" panose="020B0609020000020004" pitchFamily="49" charset="0"/>
-              </a:rPr>
-              <a:t>// </a:t>
-            </a:r>
-            <a:r>
-              <a:rPr lang="it-IT" sz="1400" dirty="0">
-                <a:solidFill>
-                  <a:srgbClr val="008000"/>
-                </a:solidFill>
-                <a:latin typeface="Cascadia Mono" panose="020B0609020000020004" pitchFamily="49" charset="0"/>
-              </a:rPr>
-              <a:t>tra l'ESP32 ed il </a:t>
+              <a:t>                                           </a:t>
+            </a:r>
+            <a:r>
+              <a:rPr lang="it-IT" sz="1400" dirty="0">
+                <a:solidFill>
+                  <a:srgbClr val="008000"/>
+                </a:solidFill>
+                <a:latin typeface="Cascadia Mono" panose="020B0609020000020004" pitchFamily="49" charset="0"/>
+              </a:rPr>
+              <a:t>// tra l'ESP32 ed il </a:t>
             </a:r>
             <a:r>
               <a:rPr lang="it-IT" sz="1400" dirty="0" err="1">
@@ -10415,34 +9883,16 @@
                 </a:solidFill>
                 <a:latin typeface="Cascadia Mono" panose="020B0609020000020004" pitchFamily="49" charset="0"/>
               </a:rPr>
-              <a:t>   </a:t>
-            </a:r>
-            <a:r>
-              <a:rPr lang="it-IT" sz="1400" dirty="0" smtClean="0">
-                <a:solidFill>
-                  <a:srgbClr val="000000"/>
-                </a:solidFill>
-                <a:latin typeface="Cascadia Mono" panose="020B0609020000020004" pitchFamily="49" charset="0"/>
-              </a:rPr>
-              <a:t>                                        </a:t>
-            </a:r>
-            <a:r>
-              <a:rPr lang="it-IT" sz="1400" dirty="0" smtClean="0">
-                <a:solidFill>
-                  <a:srgbClr val="008000"/>
-                </a:solidFill>
-                <a:latin typeface="Cascadia Mono" panose="020B0609020000020004" pitchFamily="49" charset="0"/>
-              </a:rPr>
-              <a:t>// </a:t>
-            </a:r>
-            <a:r>
-              <a:rPr lang="it-IT" sz="1400" dirty="0">
-                <a:solidFill>
-                  <a:srgbClr val="008000"/>
-                </a:solidFill>
-                <a:latin typeface="Cascadia Mono" panose="020B0609020000020004" pitchFamily="49" charset="0"/>
-              </a:rPr>
-              <a:t>Inserisci il tuo valore definendo sei byte in formato </a:t>
+              <a:t>                                           </a:t>
+            </a:r>
+            <a:r>
+              <a:rPr lang="it-IT" sz="1400" dirty="0">
+                <a:solidFill>
+                  <a:srgbClr val="008000"/>
+                </a:solidFill>
+                <a:latin typeface="Cascadia Mono" panose="020B0609020000020004" pitchFamily="49" charset="0"/>
+              </a:rPr>
+              <a:t>// Inserisci il tuo valore definendo sei byte in formato </a:t>
             </a:r>
             <a:endParaRPr lang="it-IT" sz="1400" dirty="0">
               <a:solidFill>
@@ -10459,34 +9909,16 @@
                 </a:solidFill>
                 <a:latin typeface="Cascadia Mono" panose="020B0609020000020004" pitchFamily="49" charset="0"/>
               </a:rPr>
-              <a:t>   </a:t>
-            </a:r>
-            <a:r>
-              <a:rPr lang="it-IT" sz="1400" dirty="0" smtClean="0">
-                <a:solidFill>
-                  <a:srgbClr val="000000"/>
-                </a:solidFill>
-                <a:latin typeface="Cascadia Mono" panose="020B0609020000020004" pitchFamily="49" charset="0"/>
-              </a:rPr>
-              <a:t>                                        </a:t>
-            </a:r>
-            <a:r>
-              <a:rPr lang="it-IT" sz="1400" dirty="0" smtClean="0">
-                <a:solidFill>
-                  <a:srgbClr val="008000"/>
-                </a:solidFill>
-                <a:latin typeface="Cascadia Mono" panose="020B0609020000020004" pitchFamily="49" charset="0"/>
-              </a:rPr>
-              <a:t>// </a:t>
-            </a:r>
-            <a:r>
-              <a:rPr lang="it-IT" sz="1400" dirty="0">
-                <a:solidFill>
-                  <a:srgbClr val="008000"/>
-                </a:solidFill>
-                <a:latin typeface="Cascadia Mono" panose="020B0609020000020004" pitchFamily="49" charset="0"/>
-              </a:rPr>
-              <a:t>esadecimale, separati da due punti </a:t>
+              <a:t>                                           </a:t>
+            </a:r>
+            <a:r>
+              <a:rPr lang="it-IT" sz="1400" dirty="0">
+                <a:solidFill>
+                  <a:srgbClr val="008000"/>
+                </a:solidFill>
+                <a:latin typeface="Cascadia Mono" panose="020B0609020000020004" pitchFamily="49" charset="0"/>
+              </a:rPr>
+              <a:t>// esadecimale, separati da due punti </a:t>
             </a:r>
             <a:endParaRPr lang="it-IT" sz="1400" dirty="0">
               <a:solidFill>
@@ -10503,34 +9935,16 @@
                 </a:solidFill>
                 <a:latin typeface="Cascadia Mono" panose="020B0609020000020004" pitchFamily="49" charset="0"/>
               </a:rPr>
-              <a:t>   </a:t>
-            </a:r>
-            <a:r>
-              <a:rPr lang="it-IT" sz="1400" dirty="0" smtClean="0">
-                <a:solidFill>
-                  <a:srgbClr val="000000"/>
-                </a:solidFill>
-                <a:latin typeface="Cascadia Mono" panose="020B0609020000020004" pitchFamily="49" charset="0"/>
-              </a:rPr>
-              <a:t>                                        </a:t>
-            </a:r>
-            <a:r>
-              <a:rPr lang="it-IT" sz="1400" dirty="0" smtClean="0">
-                <a:solidFill>
-                  <a:srgbClr val="008000"/>
-                </a:solidFill>
-                <a:latin typeface="Cascadia Mono" panose="020B0609020000020004" pitchFamily="49" charset="0"/>
-              </a:rPr>
-              <a:t>// </a:t>
-            </a:r>
-            <a:r>
-              <a:rPr lang="it-IT" sz="1400" dirty="0">
-                <a:solidFill>
-                  <a:srgbClr val="008000"/>
-                </a:solidFill>
-                <a:latin typeface="Cascadia Mono" panose="020B0609020000020004" pitchFamily="49" charset="0"/>
-              </a:rPr>
-              <a:t>Questo indirizzo deve essere uguale a quello settato </a:t>
+              <a:t>                                           </a:t>
+            </a:r>
+            <a:r>
+              <a:rPr lang="it-IT" sz="1400" dirty="0">
+                <a:solidFill>
+                  <a:srgbClr val="008000"/>
+                </a:solidFill>
+                <a:latin typeface="Cascadia Mono" panose="020B0609020000020004" pitchFamily="49" charset="0"/>
+              </a:rPr>
+              <a:t>// Questo indirizzo deve essere uguale a quello settato </a:t>
             </a:r>
             <a:endParaRPr lang="it-IT" sz="1400" dirty="0">
               <a:solidFill>
@@ -10547,34 +9961,16 @@
                 </a:solidFill>
                 <a:latin typeface="Cascadia Mono" panose="020B0609020000020004" pitchFamily="49" charset="0"/>
               </a:rPr>
-              <a:t>   </a:t>
-            </a:r>
-            <a:r>
-              <a:rPr lang="it-IT" sz="1400" dirty="0" smtClean="0">
-                <a:solidFill>
-                  <a:srgbClr val="000000"/>
-                </a:solidFill>
-                <a:latin typeface="Cascadia Mono" panose="020B0609020000020004" pitchFamily="49" charset="0"/>
-              </a:rPr>
-              <a:t>                                        </a:t>
-            </a:r>
-            <a:r>
-              <a:rPr lang="it-IT" sz="1400" dirty="0" smtClean="0">
-                <a:solidFill>
-                  <a:srgbClr val="008000"/>
-                </a:solidFill>
-                <a:latin typeface="Cascadia Mono" panose="020B0609020000020004" pitchFamily="49" charset="0"/>
-              </a:rPr>
-              <a:t>// </a:t>
-            </a:r>
-            <a:r>
-              <a:rPr lang="it-IT" sz="1400" dirty="0">
-                <a:solidFill>
-                  <a:srgbClr val="008000"/>
-                </a:solidFill>
-                <a:latin typeface="Cascadia Mono" panose="020B0609020000020004" pitchFamily="49" charset="0"/>
-              </a:rPr>
-              <a:t>sul </a:t>
+              <a:t>                                           </a:t>
+            </a:r>
+            <a:r>
+              <a:rPr lang="it-IT" sz="1400" dirty="0">
+                <a:solidFill>
+                  <a:srgbClr val="008000"/>
+                </a:solidFill>
+                <a:latin typeface="Cascadia Mono" panose="020B0609020000020004" pitchFamily="49" charset="0"/>
+              </a:rPr>
+              <a:t>// sul </a:t>
             </a:r>
             <a:r>
               <a:rPr lang="it-IT" sz="1400" dirty="0" err="1">
@@ -10656,22 +10052,13 @@
               <a:t>; </a:t>
             </a:r>
             <a:r>
-              <a:rPr lang="it-IT" sz="1400" dirty="0" smtClean="0">
-                <a:solidFill>
-                  <a:srgbClr val="008000"/>
-                </a:solidFill>
-                <a:latin typeface="Cascadia Mono" panose="020B0609020000020004" pitchFamily="49" charset="0"/>
-              </a:rPr>
-              <a:t>// </a:t>
-            </a:r>
-            <a:r>
-              <a:rPr lang="it-IT" sz="1400" dirty="0">
-                <a:solidFill>
-                  <a:srgbClr val="008000"/>
-                </a:solidFill>
-                <a:latin typeface="Cascadia Mono" panose="020B0609020000020004" pitchFamily="49" charset="0"/>
-              </a:rPr>
-              <a:t>oggetto per la gestione del servo</a:t>
+              <a:rPr lang="it-IT" sz="1400" dirty="0">
+                <a:solidFill>
+                  <a:srgbClr val="008000"/>
+                </a:solidFill>
+                <a:latin typeface="Cascadia Mono" panose="020B0609020000020004" pitchFamily="49" charset="0"/>
+              </a:rPr>
+              <a:t>// oggetto per la gestione del servo</a:t>
             </a:r>
             <a:endParaRPr lang="it-IT" sz="1400" dirty="0">
               <a:solidFill>
@@ -10937,7 +10324,7 @@
           </a:p>
           <a:p>
             <a:r>
-              <a:rPr lang="it-IT" sz="1400" dirty="0" smtClean="0">
+              <a:rPr lang="it-IT" sz="1400" dirty="0">
                 <a:solidFill>
                   <a:srgbClr val="008000"/>
                 </a:solidFill>
@@ -10961,25 +10348,7 @@
                 </a:solidFill>
                 <a:latin typeface="Cascadia Mono" panose="020B0609020000020004" pitchFamily="49" charset="0"/>
               </a:rPr>
-              <a:t> che verrà chiamata </a:t>
-            </a:r>
-            <a:r>
-              <a:rPr lang="it-IT" sz="1400" dirty="0" smtClean="0">
-                <a:solidFill>
-                  <a:srgbClr val="008000"/>
-                </a:solidFill>
-                <a:latin typeface="Cascadia Mono" panose="020B0609020000020004" pitchFamily="49" charset="0"/>
-              </a:rPr>
-              <a:t>ogni </a:t>
-            </a:r>
-            <a:r>
-              <a:rPr lang="it-IT" sz="1400" dirty="0">
-                <a:solidFill>
-                  <a:srgbClr val="008000"/>
-                </a:solidFill>
-                <a:latin typeface="Cascadia Mono" panose="020B0609020000020004" pitchFamily="49" charset="0"/>
-              </a:rPr>
-              <a:t>qualvolta che il </a:t>
+              <a:t> che verrà chiamata ogni qualvolta che il </a:t>
             </a:r>
             <a:r>
               <a:rPr lang="it-IT" sz="1400" dirty="0" err="1">
@@ -11064,7 +10433,7 @@
           </a:p>
           <a:p>
             <a:r>
-              <a:rPr lang="it-IT" sz="1400" dirty="0" smtClean="0">
+              <a:rPr lang="it-IT" sz="1400" dirty="0">
                 <a:solidFill>
                   <a:srgbClr val="000000"/>
                 </a:solidFill>
@@ -11073,7 +10442,7 @@
               <a:t>   </a:t>
             </a:r>
             <a:r>
-              <a:rPr lang="it-IT" sz="1400" dirty="0" err="1" smtClean="0">
+              <a:rPr lang="it-IT" sz="1400" dirty="0" err="1">
                 <a:solidFill>
                   <a:srgbClr val="000000"/>
                 </a:solidFill>
@@ -11256,7 +10625,7 @@
           </a:p>
           <a:p>
             <a:r>
-              <a:rPr lang="it-IT" sz="1400" dirty="0" smtClean="0">
+              <a:rPr lang="it-IT" sz="1400" dirty="0">
                 <a:solidFill>
                   <a:srgbClr val="2B91AF"/>
                 </a:solidFill>
@@ -11265,7 +10634,7 @@
               <a:t>   uint8_t</a:t>
             </a:r>
             <a:r>
-              <a:rPr lang="it-IT" sz="1400" dirty="0" smtClean="0">
+              <a:rPr lang="it-IT" sz="1400" dirty="0">
                 <a:solidFill>
                   <a:srgbClr val="000000"/>
                 </a:solidFill>
@@ -11302,22 +10671,13 @@
           </a:p>
           <a:p>
             <a:r>
-              <a:rPr lang="it-IT" sz="1400" dirty="0" smtClean="0">
-                <a:solidFill>
-                  <a:srgbClr val="008000"/>
-                </a:solidFill>
-                <a:latin typeface="Cascadia Mono" panose="020B0609020000020004" pitchFamily="49" charset="0"/>
-              </a:rPr>
-              <a:t>   // </a:t>
-            </a:r>
-            <a:r>
-              <a:rPr lang="it-IT" sz="1400" dirty="0">
-                <a:solidFill>
-                  <a:srgbClr val="008000"/>
-                </a:solidFill>
-                <a:latin typeface="Cascadia Mono" panose="020B0609020000020004" pitchFamily="49" charset="0"/>
-              </a:rPr>
-              <a:t>leggo il valore del grilletto sinistro (utilizzato per muovere il servo)</a:t>
+              <a:rPr lang="it-IT" sz="1400" dirty="0">
+                <a:solidFill>
+                  <a:srgbClr val="008000"/>
+                </a:solidFill>
+                <a:latin typeface="Cascadia Mono" panose="020B0609020000020004" pitchFamily="49" charset="0"/>
+              </a:rPr>
+              <a:t>   // leggo il valore del grilletto sinistro (utilizzato per muovere il servo)</a:t>
             </a:r>
             <a:endParaRPr lang="it-IT" sz="1400" dirty="0">
               <a:solidFill>
@@ -11390,7 +10750,7 @@
           </a:p>
           <a:p>
             <a:r>
-              <a:rPr lang="it-IT" sz="1400" dirty="0" smtClean="0">
+              <a:rPr lang="it-IT" sz="1400" dirty="0">
                 <a:solidFill>
                   <a:srgbClr val="000000"/>
                 </a:solidFill>
@@ -11399,7 +10759,7 @@
               <a:t>   </a:t>
             </a:r>
             <a:r>
-              <a:rPr lang="it-IT" sz="1400" dirty="0" err="1" smtClean="0">
+              <a:rPr lang="it-IT" sz="1400" dirty="0" err="1">
                 <a:solidFill>
                   <a:srgbClr val="000000"/>
                 </a:solidFill>
@@ -11408,305 +10768,236 @@
               <a:t>lTrigger</a:t>
             </a:r>
             <a:r>
-              <a:rPr lang="it-IT" sz="1400" dirty="0" smtClean="0">
-                <a:solidFill>
-                  <a:srgbClr val="000000"/>
+              <a:rPr lang="it-IT" sz="1400" dirty="0">
+                <a:solidFill>
+                  <a:srgbClr val="000000"/>
+                </a:solidFill>
+                <a:latin typeface="Cascadia Mono" panose="020B0609020000020004" pitchFamily="49" charset="0"/>
+              </a:rPr>
+              <a:t> = PS4.data.analog.button.l2;</a:t>
+            </a:r>
+          </a:p>
+          <a:p>
+            <a:r>
+              <a:rPr lang="it-IT" sz="1400" dirty="0">
+                <a:solidFill>
+                  <a:srgbClr val="808080"/>
+                </a:solidFill>
+                <a:latin typeface="Cascadia Mono" panose="020B0609020000020004" pitchFamily="49" charset="0"/>
+              </a:rPr>
+              <a:t>#</a:t>
+            </a:r>
+            <a:r>
+              <a:rPr lang="it-IT" sz="1400" dirty="0" err="1">
+                <a:solidFill>
+                  <a:srgbClr val="808080"/>
+                </a:solidFill>
+                <a:latin typeface="Cascadia Mono" panose="020B0609020000020004" pitchFamily="49" charset="0"/>
+              </a:rPr>
+              <a:t>elif</a:t>
+            </a:r>
+            <a:r>
+              <a:rPr lang="it-IT" sz="1400" dirty="0">
+                <a:solidFill>
+                  <a:srgbClr val="000000"/>
+                </a:solidFill>
+                <a:latin typeface="Cascadia Mono" panose="020B0609020000020004" pitchFamily="49" charset="0"/>
+              </a:rPr>
+              <a:t> CONTROLLER == DS3</a:t>
+            </a:r>
+          </a:p>
+          <a:p>
+            <a:r>
+              <a:rPr lang="it-IT" sz="1400" dirty="0">
+                <a:solidFill>
+                  <a:srgbClr val="000000"/>
+                </a:solidFill>
+                <a:latin typeface="Cascadia Mono" panose="020B0609020000020004" pitchFamily="49" charset="0"/>
+              </a:rPr>
+              <a:t>   </a:t>
+            </a:r>
+            <a:r>
+              <a:rPr lang="it-IT" sz="1400" dirty="0" err="1">
+                <a:solidFill>
+                  <a:srgbClr val="000000"/>
+                </a:solidFill>
+                <a:latin typeface="Cascadia Mono" panose="020B0609020000020004" pitchFamily="49" charset="0"/>
+              </a:rPr>
+              <a:t>lTrigger</a:t>
+            </a:r>
+            <a:r>
+              <a:rPr lang="it-IT" sz="1400" dirty="0">
+                <a:solidFill>
+                  <a:srgbClr val="000000"/>
+                </a:solidFill>
+                <a:latin typeface="Cascadia Mono" panose="020B0609020000020004" pitchFamily="49" charset="0"/>
+              </a:rPr>
+              <a:t> = Ps3.data.analog.button.l2;</a:t>
+            </a:r>
+          </a:p>
+          <a:p>
+            <a:r>
+              <a:rPr lang="it-IT" sz="1400" dirty="0">
+                <a:solidFill>
+                  <a:srgbClr val="808080"/>
+                </a:solidFill>
+                <a:latin typeface="Cascadia Mono" panose="020B0609020000020004" pitchFamily="49" charset="0"/>
+              </a:rPr>
+              <a:t>#</a:t>
+            </a:r>
+            <a:r>
+              <a:rPr lang="it-IT" sz="1400" dirty="0" err="1">
+                <a:solidFill>
+                  <a:srgbClr val="808080"/>
+                </a:solidFill>
+                <a:latin typeface="Cascadia Mono" panose="020B0609020000020004" pitchFamily="49" charset="0"/>
+              </a:rPr>
+              <a:t>endif</a:t>
+            </a:r>
+            <a:endParaRPr lang="it-IT" sz="1400" dirty="0">
+              <a:solidFill>
+                <a:srgbClr val="000000"/>
+              </a:solidFill>
+              <a:latin typeface="Cascadia Mono" panose="020B0609020000020004" pitchFamily="49" charset="0"/>
+            </a:endParaRPr>
+          </a:p>
+          <a:p>
+            <a:endParaRPr lang="it-IT" sz="1400" dirty="0">
+              <a:solidFill>
+                <a:srgbClr val="000000"/>
+              </a:solidFill>
+              <a:latin typeface="Cascadia Mono" panose="020B0609020000020004" pitchFamily="49" charset="0"/>
+            </a:endParaRPr>
+          </a:p>
+          <a:p>
+            <a:r>
+              <a:rPr lang="it-IT" sz="1400" dirty="0">
+                <a:solidFill>
+                  <a:srgbClr val="008000"/>
+                </a:solidFill>
+                <a:latin typeface="Cascadia Mono" panose="020B0609020000020004" pitchFamily="49" charset="0"/>
+              </a:rPr>
+              <a:t>   // il valore dei trigger vanno da 0 (non premuto) a 255 (completamente premuto)</a:t>
+            </a:r>
+            <a:endParaRPr lang="it-IT" sz="1400" dirty="0">
+              <a:solidFill>
+                <a:srgbClr val="000000"/>
+              </a:solidFill>
+              <a:latin typeface="Cascadia Mono" panose="020B0609020000020004" pitchFamily="49" charset="0"/>
+            </a:endParaRPr>
+          </a:p>
+          <a:p>
+            <a:r>
+              <a:rPr lang="it-IT" sz="1400" dirty="0">
+                <a:solidFill>
+                  <a:srgbClr val="008000"/>
+                </a:solidFill>
+                <a:latin typeface="Cascadia Mono" panose="020B0609020000020004" pitchFamily="49" charset="0"/>
+              </a:rPr>
+              <a:t>   // mentre il servo si muove tra zero gradi e 180 gradi</a:t>
+            </a:r>
+            <a:endParaRPr lang="it-IT" sz="1400" dirty="0">
+              <a:solidFill>
+                <a:srgbClr val="000000"/>
+              </a:solidFill>
+              <a:latin typeface="Cascadia Mono" panose="020B0609020000020004" pitchFamily="49" charset="0"/>
+            </a:endParaRPr>
+          </a:p>
+          <a:p>
+            <a:r>
+              <a:rPr lang="da-DK" sz="1400" dirty="0">
+                <a:solidFill>
+                  <a:srgbClr val="000000"/>
+                </a:solidFill>
+                <a:latin typeface="Cascadia Mono" panose="020B0609020000020004" pitchFamily="49" charset="0"/>
+              </a:rPr>
+              <a:t>   angle = map(lTrigger, 0, 255, 0, 180);</a:t>
+            </a:r>
+          </a:p>
+          <a:p>
+            <a:endParaRPr lang="it-IT" sz="1400" dirty="0">
+              <a:solidFill>
+                <a:srgbClr val="000000"/>
+              </a:solidFill>
+              <a:latin typeface="Cascadia Mono" panose="020B0609020000020004" pitchFamily="49" charset="0"/>
+            </a:endParaRPr>
+          </a:p>
+          <a:p>
+            <a:r>
+              <a:rPr lang="it-IT" sz="1400" dirty="0">
+                <a:solidFill>
+                  <a:srgbClr val="008000"/>
+                </a:solidFill>
+                <a:latin typeface="Cascadia Mono" panose="020B0609020000020004" pitchFamily="49" charset="0"/>
+              </a:rPr>
+              <a:t>   // aggiorno la posizione del servo</a:t>
+            </a:r>
+            <a:endParaRPr lang="it-IT" sz="1400" dirty="0">
+              <a:solidFill>
+                <a:srgbClr val="000000"/>
+              </a:solidFill>
+              <a:latin typeface="Cascadia Mono" panose="020B0609020000020004" pitchFamily="49" charset="0"/>
+            </a:endParaRPr>
+          </a:p>
+          <a:p>
+            <a:r>
+              <a:rPr lang="it-IT" sz="1400" dirty="0">
+                <a:solidFill>
+                  <a:srgbClr val="000000"/>
+                </a:solidFill>
+                <a:latin typeface="Cascadia Mono" panose="020B0609020000020004" pitchFamily="49" charset="0"/>
+              </a:rPr>
+              <a:t>   </a:t>
+            </a:r>
+            <a:r>
+              <a:rPr lang="it-IT" sz="1400" dirty="0" err="1">
+                <a:solidFill>
+                  <a:srgbClr val="000000"/>
+                </a:solidFill>
+                <a:latin typeface="Cascadia Mono" panose="020B0609020000020004" pitchFamily="49" charset="0"/>
+              </a:rPr>
+              <a:t>myServo.write</a:t>
+            </a:r>
+            <a:r>
+              <a:rPr lang="it-IT" sz="1400" dirty="0">
+                <a:solidFill>
+                  <a:srgbClr val="000000"/>
+                </a:solidFill>
+                <a:latin typeface="Cascadia Mono" panose="020B0609020000020004" pitchFamily="49" charset="0"/>
+              </a:rPr>
+              <a:t>(angle);</a:t>
+            </a:r>
+          </a:p>
+          <a:p>
+            <a:r>
+              <a:rPr lang="it-IT" sz="1400" dirty="0">
+                <a:solidFill>
+                  <a:srgbClr val="000000"/>
+                </a:solidFill>
+                <a:latin typeface="Cascadia Mono" panose="020B0609020000020004" pitchFamily="49" charset="0"/>
+              </a:rPr>
+              <a:t>}</a:t>
+            </a:r>
+            <a:r>
+              <a:rPr lang="it-IT" sz="1400" dirty="0">
+                <a:solidFill>
+                  <a:srgbClr val="0000FF"/>
                 </a:solidFill>
                 <a:latin typeface="Cascadia Mono" panose="020B0609020000020004" pitchFamily="49" charset="0"/>
               </a:rPr>
               <a:t> </a:t>
             </a:r>
-            <a:r>
-              <a:rPr lang="it-IT" sz="1400" dirty="0">
-                <a:solidFill>
-                  <a:srgbClr val="000000"/>
-                </a:solidFill>
-                <a:latin typeface="Cascadia Mono" panose="020B0609020000020004" pitchFamily="49" charset="0"/>
-              </a:rPr>
-              <a:t>= PS4.data.analog.button.l2;</a:t>
-            </a:r>
-          </a:p>
-          <a:p>
-            <a:r>
-              <a:rPr lang="it-IT" sz="1400" dirty="0">
-                <a:solidFill>
-                  <a:srgbClr val="808080"/>
-                </a:solidFill>
-                <a:latin typeface="Cascadia Mono" panose="020B0609020000020004" pitchFamily="49" charset="0"/>
-              </a:rPr>
-              <a:t>#</a:t>
-            </a:r>
-            <a:r>
-              <a:rPr lang="it-IT" sz="1400" dirty="0" err="1">
-                <a:solidFill>
-                  <a:srgbClr val="808080"/>
-                </a:solidFill>
-                <a:latin typeface="Cascadia Mono" panose="020B0609020000020004" pitchFamily="49" charset="0"/>
-              </a:rPr>
-              <a:t>elif</a:t>
-            </a:r>
-            <a:r>
-              <a:rPr lang="it-IT" sz="1400" dirty="0">
-                <a:solidFill>
-                  <a:srgbClr val="000000"/>
-                </a:solidFill>
-                <a:latin typeface="Cascadia Mono" panose="020B0609020000020004" pitchFamily="49" charset="0"/>
-              </a:rPr>
-              <a:t> CONTROLLER == DS3</a:t>
-            </a:r>
-          </a:p>
-          <a:p>
-            <a:r>
-              <a:rPr lang="it-IT" sz="1400" dirty="0" smtClean="0">
-                <a:solidFill>
-                  <a:srgbClr val="000000"/>
-                </a:solidFill>
-                <a:latin typeface="Cascadia Mono" panose="020B0609020000020004" pitchFamily="49" charset="0"/>
-              </a:rPr>
-              <a:t>   </a:t>
-            </a:r>
-            <a:r>
-              <a:rPr lang="it-IT" sz="1400" dirty="0" err="1" smtClean="0">
-                <a:solidFill>
-                  <a:srgbClr val="000000"/>
-                </a:solidFill>
-                <a:latin typeface="Cascadia Mono" panose="020B0609020000020004" pitchFamily="49" charset="0"/>
-              </a:rPr>
-              <a:t>lTrigger</a:t>
-            </a:r>
-            <a:r>
-              <a:rPr lang="it-IT" sz="1400" dirty="0" smtClean="0">
-                <a:solidFill>
-                  <a:srgbClr val="000000"/>
-                </a:solidFill>
-                <a:latin typeface="Cascadia Mono" panose="020B0609020000020004" pitchFamily="49" charset="0"/>
-              </a:rPr>
-              <a:t> </a:t>
-            </a:r>
-            <a:r>
-              <a:rPr lang="it-IT" sz="1400" dirty="0">
-                <a:solidFill>
-                  <a:srgbClr val="000000"/>
-                </a:solidFill>
-                <a:latin typeface="Cascadia Mono" panose="020B0609020000020004" pitchFamily="49" charset="0"/>
-              </a:rPr>
-              <a:t>= Ps3.data.analog.button.l2;</a:t>
-            </a:r>
-          </a:p>
-          <a:p>
-            <a:r>
-              <a:rPr lang="it-IT" sz="1400" dirty="0">
-                <a:solidFill>
-                  <a:srgbClr val="808080"/>
-                </a:solidFill>
-                <a:latin typeface="Cascadia Mono" panose="020B0609020000020004" pitchFamily="49" charset="0"/>
-              </a:rPr>
-              <a:t>#</a:t>
-            </a:r>
-            <a:r>
-              <a:rPr lang="it-IT" sz="1400" dirty="0" err="1">
-                <a:solidFill>
-                  <a:srgbClr val="808080"/>
-                </a:solidFill>
-                <a:latin typeface="Cascadia Mono" panose="020B0609020000020004" pitchFamily="49" charset="0"/>
-              </a:rPr>
-              <a:t>endif</a:t>
-            </a:r>
+          </a:p>
+          <a:p>
             <a:endParaRPr lang="it-IT" sz="1400" dirty="0">
               <a:solidFill>
-                <a:srgbClr val="000000"/>
+                <a:srgbClr val="0000FF"/>
               </a:solidFill>
               <a:latin typeface="Cascadia Mono" panose="020B0609020000020004" pitchFamily="49" charset="0"/>
             </a:endParaRPr>
           </a:p>
           <a:p>
             <a:endParaRPr lang="it-IT" sz="1400" dirty="0">
-              <a:solidFill>
-                <a:srgbClr val="000000"/>
-              </a:solidFill>
-              <a:latin typeface="Cascadia Mono" panose="020B0609020000020004" pitchFamily="49" charset="0"/>
-            </a:endParaRPr>
-          </a:p>
-          <a:p>
-            <a:r>
-              <a:rPr lang="it-IT" sz="1400" dirty="0" smtClean="0">
-                <a:solidFill>
-                  <a:srgbClr val="008000"/>
-                </a:solidFill>
-                <a:latin typeface="Cascadia Mono" panose="020B0609020000020004" pitchFamily="49" charset="0"/>
-              </a:rPr>
-              <a:t>   // </a:t>
-            </a:r>
-            <a:r>
-              <a:rPr lang="it-IT" sz="1400" dirty="0">
-                <a:solidFill>
-                  <a:srgbClr val="008000"/>
-                </a:solidFill>
-                <a:latin typeface="Cascadia Mono" panose="020B0609020000020004" pitchFamily="49" charset="0"/>
-              </a:rPr>
-              <a:t>il valore dei trigger vanno da 0 (non premuto) a 255 (completamente premuto)</a:t>
-            </a:r>
-            <a:endParaRPr lang="it-IT" sz="1400" dirty="0">
-              <a:solidFill>
-                <a:srgbClr val="000000"/>
-              </a:solidFill>
-              <a:latin typeface="Cascadia Mono" panose="020B0609020000020004" pitchFamily="49" charset="0"/>
-            </a:endParaRPr>
-          </a:p>
-          <a:p>
-            <a:r>
-              <a:rPr lang="it-IT" sz="1400" dirty="0" smtClean="0">
-                <a:solidFill>
-                  <a:srgbClr val="008000"/>
-                </a:solidFill>
-                <a:latin typeface="Cascadia Mono" panose="020B0609020000020004" pitchFamily="49" charset="0"/>
-              </a:rPr>
-              <a:t>   // </a:t>
-            </a:r>
-            <a:r>
-              <a:rPr lang="it-IT" sz="1400" dirty="0">
-                <a:solidFill>
-                  <a:srgbClr val="008000"/>
-                </a:solidFill>
-                <a:latin typeface="Cascadia Mono" panose="020B0609020000020004" pitchFamily="49" charset="0"/>
-              </a:rPr>
-              <a:t>mentre il servo si muove tra zero gradi e 180 gradi</a:t>
-            </a:r>
-            <a:endParaRPr lang="it-IT" sz="1400" dirty="0">
-              <a:solidFill>
-                <a:srgbClr val="000000"/>
-              </a:solidFill>
-              <a:latin typeface="Cascadia Mono" panose="020B0609020000020004" pitchFamily="49" charset="0"/>
-            </a:endParaRPr>
-          </a:p>
-          <a:p>
-            <a:r>
-              <a:rPr lang="da-DK" sz="1400" dirty="0" smtClean="0">
-                <a:solidFill>
-                  <a:srgbClr val="000000"/>
-                </a:solidFill>
-                <a:latin typeface="Cascadia Mono" panose="020B0609020000020004" pitchFamily="49" charset="0"/>
-              </a:rPr>
-              <a:t>   angle </a:t>
-            </a:r>
-            <a:r>
-              <a:rPr lang="da-DK" sz="1400" dirty="0">
-                <a:solidFill>
-                  <a:srgbClr val="000000"/>
-                </a:solidFill>
-                <a:latin typeface="Cascadia Mono" panose="020B0609020000020004" pitchFamily="49" charset="0"/>
-              </a:rPr>
-              <a:t>= map(lTrigger, 0, 255, 0, 180);</a:t>
-            </a:r>
-          </a:p>
-          <a:p>
-            <a:endParaRPr lang="it-IT" sz="1400" dirty="0">
-              <a:solidFill>
-                <a:srgbClr val="000000"/>
-              </a:solidFill>
-              <a:latin typeface="Cascadia Mono" panose="020B0609020000020004" pitchFamily="49" charset="0"/>
-            </a:endParaRPr>
-          </a:p>
-          <a:p>
-            <a:r>
-              <a:rPr lang="it-IT" sz="1400" dirty="0" smtClean="0">
-                <a:solidFill>
-                  <a:srgbClr val="008000"/>
-                </a:solidFill>
-                <a:latin typeface="Cascadia Mono" panose="020B0609020000020004" pitchFamily="49" charset="0"/>
-              </a:rPr>
-              <a:t>   // </a:t>
-            </a:r>
-            <a:r>
-              <a:rPr lang="it-IT" sz="1400" dirty="0">
-                <a:solidFill>
-                  <a:srgbClr val="008000"/>
-                </a:solidFill>
-                <a:latin typeface="Cascadia Mono" panose="020B0609020000020004" pitchFamily="49" charset="0"/>
-              </a:rPr>
-              <a:t>aggiorno la posizione del servo</a:t>
-            </a:r>
-            <a:endParaRPr lang="it-IT" sz="1400" dirty="0">
-              <a:solidFill>
-                <a:srgbClr val="000000"/>
-              </a:solidFill>
-              <a:latin typeface="Cascadia Mono" panose="020B0609020000020004" pitchFamily="49" charset="0"/>
-            </a:endParaRPr>
-          </a:p>
-          <a:p>
-            <a:r>
-              <a:rPr lang="it-IT" sz="1400" dirty="0" smtClean="0">
-                <a:solidFill>
-                  <a:srgbClr val="000000"/>
-                </a:solidFill>
-                <a:latin typeface="Cascadia Mono" panose="020B0609020000020004" pitchFamily="49" charset="0"/>
-              </a:rPr>
-              <a:t>   </a:t>
-            </a:r>
-            <a:r>
-              <a:rPr lang="it-IT" sz="1400" dirty="0" err="1" smtClean="0">
-                <a:solidFill>
-                  <a:srgbClr val="000000"/>
-                </a:solidFill>
-                <a:latin typeface="Cascadia Mono" panose="020B0609020000020004" pitchFamily="49" charset="0"/>
-              </a:rPr>
-              <a:t>myServo.write</a:t>
-            </a:r>
-            <a:r>
-              <a:rPr lang="it-IT" sz="1400" dirty="0" smtClean="0">
-                <a:solidFill>
-                  <a:srgbClr val="000000"/>
-                </a:solidFill>
-                <a:latin typeface="Cascadia Mono" panose="020B0609020000020004" pitchFamily="49" charset="0"/>
-              </a:rPr>
-              <a:t>(angle</a:t>
-            </a:r>
-            <a:r>
-              <a:rPr lang="it-IT" sz="1400" dirty="0">
-                <a:solidFill>
-                  <a:srgbClr val="000000"/>
-                </a:solidFill>
-                <a:latin typeface="Cascadia Mono" panose="020B0609020000020004" pitchFamily="49" charset="0"/>
-              </a:rPr>
-              <a:t>);</a:t>
-            </a:r>
-          </a:p>
-          <a:p>
-            <a:r>
-              <a:rPr lang="it-IT" sz="1400" dirty="0" smtClean="0">
-                <a:solidFill>
-                  <a:srgbClr val="000000"/>
-                </a:solidFill>
-                <a:latin typeface="Cascadia Mono" panose="020B0609020000020004" pitchFamily="49" charset="0"/>
-              </a:rPr>
-              <a:t>}</a:t>
-            </a:r>
-            <a:r>
-              <a:rPr lang="it-IT" sz="1400" dirty="0">
-                <a:solidFill>
-                  <a:srgbClr val="0000FF"/>
-                </a:solidFill>
-                <a:latin typeface="Cascadia Mono" panose="020B0609020000020004" pitchFamily="49" charset="0"/>
-              </a:rPr>
-              <a:t> </a:t>
-            </a:r>
-            <a:endParaRPr lang="it-IT" sz="1400" dirty="0" smtClean="0">
-              <a:solidFill>
-                <a:srgbClr val="0000FF"/>
-              </a:solidFill>
-              <a:latin typeface="Cascadia Mono" panose="020B0609020000020004" pitchFamily="49" charset="0"/>
-            </a:endParaRPr>
-          </a:p>
-          <a:p>
-            <a:endParaRPr lang="it-IT" sz="1400" dirty="0">
-              <a:solidFill>
-                <a:srgbClr val="0000FF"/>
-              </a:solidFill>
-              <a:latin typeface="Cascadia Mono" panose="020B0609020000020004" pitchFamily="49" charset="0"/>
-            </a:endParaRPr>
-          </a:p>
-          <a:p>
-            <a:endParaRPr lang="it-IT" sz="1400" dirty="0" smtClean="0">
               <a:solidFill>
                 <a:srgbClr val="000000"/>
               </a:solidFill>
@@ -11898,22 +11189,13 @@
           </a:p>
           <a:p>
             <a:r>
-              <a:rPr lang="it-IT" sz="1400" dirty="0" smtClean="0">
-                <a:solidFill>
-                  <a:srgbClr val="008000"/>
-                </a:solidFill>
-                <a:latin typeface="Cascadia Mono" panose="020B0609020000020004" pitchFamily="49" charset="0"/>
-              </a:rPr>
-              <a:t>   // </a:t>
-            </a:r>
-            <a:r>
-              <a:rPr lang="it-IT" sz="1400" dirty="0">
-                <a:solidFill>
-                  <a:srgbClr val="008000"/>
-                </a:solidFill>
-                <a:latin typeface="Cascadia Mono" panose="020B0609020000020004" pitchFamily="49" charset="0"/>
-              </a:rPr>
-              <a:t>configuro l'oggetto </a:t>
+              <a:rPr lang="it-IT" sz="1400" dirty="0">
+                <a:solidFill>
+                  <a:srgbClr val="008000"/>
+                </a:solidFill>
+                <a:latin typeface="Cascadia Mono" panose="020B0609020000020004" pitchFamily="49" charset="0"/>
+              </a:rPr>
+              <a:t>   // configuro l'oggetto </a:t>
             </a:r>
             <a:r>
               <a:rPr lang="it-IT" sz="1400" dirty="0" err="1">
@@ -11942,22 +11224,13 @@
           </a:p>
           <a:p>
             <a:r>
-              <a:rPr lang="it-IT" sz="1400" dirty="0" smtClean="0">
-                <a:solidFill>
-                  <a:srgbClr val="008000"/>
-                </a:solidFill>
-                <a:latin typeface="Cascadia Mono" panose="020B0609020000020004" pitchFamily="49" charset="0"/>
-              </a:rPr>
-              <a:t>   // </a:t>
-            </a:r>
-            <a:r>
-              <a:rPr lang="it-IT" sz="1400" dirty="0">
-                <a:solidFill>
-                  <a:srgbClr val="008000"/>
-                </a:solidFill>
-                <a:latin typeface="Cascadia Mono" panose="020B0609020000020004" pitchFamily="49" charset="0"/>
-              </a:rPr>
-              <a:t>e quale canale PWM utilizzare per la generazione del segnale</a:t>
+              <a:rPr lang="it-IT" sz="1400" dirty="0">
+                <a:solidFill>
+                  <a:srgbClr val="008000"/>
+                </a:solidFill>
+                <a:latin typeface="Cascadia Mono" panose="020B0609020000020004" pitchFamily="49" charset="0"/>
+              </a:rPr>
+              <a:t>   // e quale canale PWM utilizzare per la generazione del segnale</a:t>
             </a:r>
             <a:endParaRPr lang="it-IT" sz="1400" dirty="0">
               <a:solidFill>
@@ -11968,7 +11241,7 @@
           </a:p>
           <a:p>
             <a:r>
-              <a:rPr lang="it-IT" sz="1400" dirty="0" smtClean="0">
+              <a:rPr lang="it-IT" sz="1400" dirty="0">
                 <a:solidFill>
                   <a:srgbClr val="000000"/>
                 </a:solidFill>
@@ -11977,7 +11250,7 @@
               <a:t>   </a:t>
             </a:r>
             <a:r>
-              <a:rPr lang="it-IT" sz="1400" dirty="0" err="1" smtClean="0">
+              <a:rPr lang="it-IT" sz="1400" dirty="0" err="1">
                 <a:solidFill>
                   <a:srgbClr val="000000"/>
                 </a:solidFill>
@@ -11986,7 +11259,7 @@
               <a:t>myServo.attach</a:t>
             </a:r>
             <a:r>
-              <a:rPr lang="it-IT" sz="1400" dirty="0" smtClean="0">
+              <a:rPr lang="it-IT" sz="1400" dirty="0">
                 <a:solidFill>
                   <a:srgbClr val="000000"/>
                 </a:solidFill>
@@ -11995,7 +11268,7 @@
               <a:t>(</a:t>
             </a:r>
             <a:r>
-              <a:rPr lang="it-IT" sz="1400" dirty="0" smtClean="0">
+              <a:rPr lang="it-IT" sz="1400" dirty="0">
                 <a:solidFill>
                   <a:srgbClr val="6F008A"/>
                 </a:solidFill>
@@ -12041,22 +11314,13 @@
           </a:p>
           <a:p>
             <a:r>
-              <a:rPr lang="it-IT" sz="1400" dirty="0" smtClean="0">
-                <a:solidFill>
-                  <a:srgbClr val="008000"/>
-                </a:solidFill>
-                <a:latin typeface="Cascadia Mono" panose="020B0609020000020004" pitchFamily="49" charset="0"/>
-              </a:rPr>
-              <a:t>   // </a:t>
-            </a:r>
-            <a:r>
-              <a:rPr lang="it-IT" sz="1400" dirty="0">
-                <a:solidFill>
-                  <a:srgbClr val="008000"/>
-                </a:solidFill>
-                <a:latin typeface="Cascadia Mono" panose="020B0609020000020004" pitchFamily="49" charset="0"/>
-              </a:rPr>
-              <a:t>inizializza la libreria per la gestione della comunicazione tra il </a:t>
+              <a:rPr lang="it-IT" sz="1400" dirty="0">
+                <a:solidFill>
+                  <a:srgbClr val="008000"/>
+                </a:solidFill>
+                <a:latin typeface="Cascadia Mono" panose="020B0609020000020004" pitchFamily="49" charset="0"/>
+              </a:rPr>
+              <a:t>   // inizializza la libreria per la gestione della comunicazione tra il </a:t>
             </a:r>
             <a:r>
               <a:rPr lang="it-IT" sz="1400" dirty="0" err="1">
@@ -12165,7 +11429,7 @@
           </a:p>
           <a:p>
             <a:r>
-              <a:rPr lang="it-IT" sz="1400" dirty="0" smtClean="0">
+              <a:rPr lang="it-IT" sz="1400" dirty="0">
                 <a:solidFill>
                   <a:srgbClr val="0000FF"/>
                 </a:solidFill>
@@ -12174,7 +11438,7 @@
               <a:t>   </a:t>
             </a:r>
             <a:r>
-              <a:rPr lang="it-IT" sz="1400" dirty="0" err="1" smtClean="0">
+              <a:rPr lang="it-IT" sz="1400" dirty="0" err="1">
                 <a:solidFill>
                   <a:srgbClr val="0000FF"/>
                 </a:solidFill>
@@ -12183,22 +11447,13 @@
               <a:t>if</a:t>
             </a:r>
             <a:r>
-              <a:rPr lang="it-IT" sz="1400" dirty="0" smtClean="0">
-                <a:solidFill>
-                  <a:srgbClr val="000000"/>
-                </a:solidFill>
-                <a:latin typeface="Cascadia Mono" panose="020B0609020000020004" pitchFamily="49" charset="0"/>
-              </a:rPr>
-              <a:t> </a:t>
-            </a:r>
-            <a:r>
-              <a:rPr lang="it-IT" sz="1400" dirty="0">
-                <a:solidFill>
-                  <a:srgbClr val="000000"/>
-                </a:solidFill>
-                <a:latin typeface="Cascadia Mono" panose="020B0609020000020004" pitchFamily="49" charset="0"/>
-              </a:rPr>
-              <a:t>(!PS4.begin(</a:t>
+              <a:rPr lang="it-IT" sz="1400" dirty="0">
+                <a:solidFill>
+                  <a:srgbClr val="000000"/>
+                </a:solidFill>
+                <a:latin typeface="Cascadia Mono" panose="020B0609020000020004" pitchFamily="49" charset="0"/>
+              </a:rPr>
+              <a:t> (!PS4.begin(</a:t>
             </a:r>
             <a:r>
               <a:rPr lang="it-IT" sz="1400" dirty="0">
@@ -12250,7 +11505,7 @@
           </a:p>
           <a:p>
             <a:r>
-              <a:rPr lang="it-IT" sz="1400" dirty="0" smtClean="0">
+              <a:rPr lang="it-IT" sz="1400" dirty="0">
                 <a:solidFill>
                   <a:srgbClr val="0000FF"/>
                 </a:solidFill>
@@ -12259,7 +11514,7 @@
               <a:t>   </a:t>
             </a:r>
             <a:r>
-              <a:rPr lang="it-IT" sz="1400" dirty="0" err="1" smtClean="0">
+              <a:rPr lang="it-IT" sz="1400" dirty="0" err="1">
                 <a:solidFill>
                   <a:srgbClr val="0000FF"/>
                 </a:solidFill>
@@ -12268,22 +11523,13 @@
               <a:t>if</a:t>
             </a:r>
             <a:r>
-              <a:rPr lang="it-IT" sz="1400" dirty="0" smtClean="0">
-                <a:solidFill>
-                  <a:srgbClr val="000000"/>
-                </a:solidFill>
-                <a:latin typeface="Cascadia Mono" panose="020B0609020000020004" pitchFamily="49" charset="0"/>
-              </a:rPr>
-              <a:t> </a:t>
-            </a:r>
-            <a:r>
-              <a:rPr lang="it-IT" sz="1400" dirty="0">
-                <a:solidFill>
-                  <a:srgbClr val="000000"/>
-                </a:solidFill>
-                <a:latin typeface="Cascadia Mono" panose="020B0609020000020004" pitchFamily="49" charset="0"/>
-              </a:rPr>
-              <a:t>(!Ps3.begin(MY_BT_ADDRESS)) {</a:t>
+              <a:rPr lang="it-IT" sz="1400" dirty="0">
+                <a:solidFill>
+                  <a:srgbClr val="000000"/>
+                </a:solidFill>
+                <a:latin typeface="Cascadia Mono" panose="020B0609020000020004" pitchFamily="49" charset="0"/>
+              </a:rPr>
+              <a:t> (!Ps3.begin(MY_BT_ADDRESS)) {</a:t>
             </a:r>
           </a:p>
           <a:p>
@@ -12314,7 +11560,7 @@
           </a:p>
           <a:p>
             <a:r>
-              <a:rPr lang="en-US" sz="1400" dirty="0" smtClean="0">
+              <a:rPr lang="en-US" sz="1400" dirty="0">
                 <a:solidFill>
                   <a:srgbClr val="000000"/>
                 </a:solidFill>
@@ -12323,7 +11569,7 @@
               <a:t>      </a:t>
             </a:r>
             <a:r>
-              <a:rPr lang="en-US" sz="1400" dirty="0" err="1" smtClean="0">
+              <a:rPr lang="en-US" sz="1400" dirty="0" err="1">
                 <a:solidFill>
                   <a:srgbClr val="000000"/>
                 </a:solidFill>
@@ -12361,7 +11607,7 @@
           </a:p>
           <a:p>
             <a:r>
-              <a:rPr lang="it-IT" sz="1400" dirty="0" smtClean="0">
+              <a:rPr lang="it-IT" sz="1400" dirty="0">
                 <a:solidFill>
                   <a:srgbClr val="0000FF"/>
                 </a:solidFill>
@@ -12370,7 +11616,7 @@
               <a:t>      </a:t>
             </a:r>
             <a:r>
-              <a:rPr lang="it-IT" sz="1400" dirty="0" err="1" smtClean="0">
+              <a:rPr lang="it-IT" sz="1400" dirty="0" err="1">
                 <a:solidFill>
                   <a:srgbClr val="0000FF"/>
                 </a:solidFill>
@@ -12379,27 +11625,18 @@
               <a:t>while</a:t>
             </a:r>
             <a:r>
-              <a:rPr lang="it-IT" sz="1400" dirty="0" smtClean="0">
-                <a:solidFill>
-                  <a:srgbClr val="000000"/>
-                </a:solidFill>
-                <a:latin typeface="Cascadia Mono" panose="020B0609020000020004" pitchFamily="49" charset="0"/>
-              </a:rPr>
-              <a:t> </a:t>
-            </a:r>
-            <a:r>
-              <a:rPr lang="it-IT" sz="1400" dirty="0">
-                <a:solidFill>
-                  <a:srgbClr val="000000"/>
-                </a:solidFill>
-                <a:latin typeface="Cascadia Mono" panose="020B0609020000020004" pitchFamily="49" charset="0"/>
-              </a:rPr>
-              <a:t>(1);</a:t>
-            </a:r>
-          </a:p>
-          <a:p>
-            <a:r>
-              <a:rPr lang="it-IT" sz="1400" dirty="0" smtClean="0">
+              <a:rPr lang="it-IT" sz="1400" dirty="0">
+                <a:solidFill>
+                  <a:srgbClr val="000000"/>
+                </a:solidFill>
+                <a:latin typeface="Cascadia Mono" panose="020B0609020000020004" pitchFamily="49" charset="0"/>
+              </a:rPr>
+              <a:t> (1);</a:t>
+            </a:r>
+          </a:p>
+          <a:p>
+            <a:r>
+              <a:rPr lang="it-IT" sz="1400" dirty="0">
                 <a:solidFill>
                   <a:srgbClr val="000000"/>
                 </a:solidFill>
@@ -12407,6 +11644,17 @@
               </a:rPr>
               <a:t>   }</a:t>
             </a:r>
+          </a:p>
+          <a:p>
+            <a:r>
+              <a:rPr lang="it-IT" sz="1400" dirty="0">
+                <a:solidFill>
+                  <a:srgbClr val="0000FF"/>
+                </a:solidFill>
+                <a:latin typeface="Cascadia Mono" panose="020B0609020000020004" pitchFamily="49" charset="0"/>
+              </a:rPr>
+              <a:t>   else</a:t>
+            </a:r>
             <a:endParaRPr lang="it-IT" sz="1400" dirty="0">
               <a:solidFill>
                 <a:srgbClr val="000000"/>
@@ -12416,14 +11664,52 @@
           </a:p>
           <a:p>
             <a:r>
-              <a:rPr lang="it-IT" sz="1400" dirty="0" smtClean="0">
-                <a:solidFill>
-                  <a:srgbClr val="0000FF"/>
-                </a:solidFill>
-                <a:latin typeface="Cascadia Mono" panose="020B0609020000020004" pitchFamily="49" charset="0"/>
-              </a:rPr>
-              <a:t>   else</a:t>
-            </a:r>
+              <a:rPr lang="en-US" sz="1400" dirty="0">
+                <a:solidFill>
+                  <a:srgbClr val="000000"/>
+                </a:solidFill>
+                <a:latin typeface="Cascadia Mono" panose="020B0609020000020004" pitchFamily="49" charset="0"/>
+              </a:rPr>
+              <a:t>      </a:t>
+            </a:r>
+            <a:r>
+              <a:rPr lang="en-US" sz="1400" dirty="0" err="1">
+                <a:solidFill>
+                  <a:srgbClr val="000000"/>
+                </a:solidFill>
+                <a:latin typeface="Cascadia Mono" panose="020B0609020000020004" pitchFamily="49" charset="0"/>
+              </a:rPr>
+              <a:t>Serial.println</a:t>
+            </a:r>
+            <a:r>
+              <a:rPr lang="en-US" sz="1400" dirty="0">
+                <a:solidFill>
+                  <a:srgbClr val="000000"/>
+                </a:solidFill>
+                <a:latin typeface="Cascadia Mono" panose="020B0609020000020004" pitchFamily="49" charset="0"/>
+              </a:rPr>
+              <a:t>(</a:t>
+            </a:r>
+            <a:r>
+              <a:rPr lang="en-US" sz="1400" dirty="0">
+                <a:solidFill>
+                  <a:srgbClr val="A31515"/>
+                </a:solidFill>
+                <a:latin typeface="Cascadia Mono" panose="020B0609020000020004" pitchFamily="49" charset="0"/>
+              </a:rPr>
+              <a:t>"PS Library initialization done."</a:t>
+            </a:r>
+            <a:r>
+              <a:rPr lang="en-US" sz="1400" dirty="0">
+                <a:solidFill>
+                  <a:srgbClr val="000000"/>
+                </a:solidFill>
+                <a:latin typeface="Cascadia Mono" panose="020B0609020000020004" pitchFamily="49" charset="0"/>
+              </a:rPr>
+              <a:t>);</a:t>
+            </a:r>
+          </a:p>
+          <a:p>
             <a:endParaRPr lang="it-IT" sz="1400" dirty="0">
               <a:solidFill>
                 <a:srgbClr val="000000"/>
@@ -12432,61 +11718,6 @@
             </a:endParaRPr>
           </a:p>
           <a:p>
-            <a:r>
-              <a:rPr lang="en-US" sz="1400" dirty="0" smtClean="0">
-                <a:solidFill>
-                  <a:srgbClr val="000000"/>
-                </a:solidFill>
-                <a:latin typeface="Cascadia Mono" panose="020B0609020000020004" pitchFamily="49" charset="0"/>
-              </a:rPr>
-              <a:t>      </a:t>
-            </a:r>
-            <a:r>
-              <a:rPr lang="en-US" sz="1400" dirty="0" err="1" smtClean="0">
-                <a:solidFill>
-                  <a:srgbClr val="000000"/>
-                </a:solidFill>
-                <a:latin typeface="Cascadia Mono" panose="020B0609020000020004" pitchFamily="49" charset="0"/>
-              </a:rPr>
-              <a:t>Serial.println</a:t>
-            </a:r>
-            <a:r>
-              <a:rPr lang="en-US" sz="1400" dirty="0">
-                <a:solidFill>
-                  <a:srgbClr val="000000"/>
-                </a:solidFill>
-                <a:latin typeface="Cascadia Mono" panose="020B0609020000020004" pitchFamily="49" charset="0"/>
-              </a:rPr>
-              <a:t>(</a:t>
-            </a:r>
-            <a:r>
-              <a:rPr lang="en-US" sz="1400" dirty="0">
-                <a:solidFill>
-                  <a:srgbClr val="A31515"/>
-                </a:solidFill>
-                <a:latin typeface="Cascadia Mono" panose="020B0609020000020004" pitchFamily="49" charset="0"/>
-              </a:rPr>
-              <a:t>"PS Library initialization done."</a:t>
-            </a:r>
-            <a:r>
-              <a:rPr lang="en-US" sz="1400" dirty="0">
-                <a:solidFill>
-                  <a:srgbClr val="000000"/>
-                </a:solidFill>
-                <a:latin typeface="Cascadia Mono" panose="020B0609020000020004" pitchFamily="49" charset="0"/>
-              </a:rPr>
-              <a:t>);</a:t>
-            </a:r>
-          </a:p>
-          <a:p>
-            <a:endParaRPr lang="it-IT" sz="1400" dirty="0" smtClean="0">
-              <a:solidFill>
-                <a:srgbClr val="000000"/>
-              </a:solidFill>
-              <a:latin typeface="Cascadia Mono" panose="020B0609020000020004" pitchFamily="49" charset="0"/>
-            </a:endParaRPr>
-          </a:p>
-          <a:p>
             <a:endParaRPr lang="it-IT" sz="1400" dirty="0">
               <a:solidFill>
                 <a:srgbClr val="000000"/>
@@ -12495,7 +11726,7 @@
             </a:endParaRPr>
           </a:p>
           <a:p>
-            <a:endParaRPr lang="it-IT" sz="1400" dirty="0" smtClean="0">
+            <a:endParaRPr lang="it-IT" sz="1400" dirty="0">
               <a:solidFill>
                 <a:srgbClr val="000000"/>
               </a:solidFill>
@@ -12812,31 +12043,13 @@
           <a:lstStyle/>
           <a:p>
             <a:r>
-              <a:rPr lang="it-IT" sz="1400" dirty="0" smtClean="0">
-                <a:solidFill>
-                  <a:srgbClr val="008000"/>
-                </a:solidFill>
-                <a:latin typeface="Cascadia Mono" panose="020B0609020000020004" pitchFamily="49" charset="0"/>
-              </a:rPr>
-              <a:t>// </a:t>
-            </a:r>
-            <a:r>
-              <a:rPr lang="it-IT" sz="1400" dirty="0">
-                <a:solidFill>
-                  <a:srgbClr val="008000"/>
-                </a:solidFill>
-                <a:latin typeface="Cascadia Mono" panose="020B0609020000020004" pitchFamily="49" charset="0"/>
-              </a:rPr>
-              <a:t>&lt;----- </a:t>
-            </a:r>
-            <a:r>
-              <a:rPr lang="it-IT" sz="1400" dirty="0" smtClean="0">
-                <a:solidFill>
-                  <a:srgbClr val="008000"/>
-                </a:solidFill>
-                <a:latin typeface="Cascadia Mono" panose="020B0609020000020004" pitchFamily="49" charset="0"/>
-              </a:rPr>
-              <a:t>CONTINUA</a:t>
+              <a:rPr lang="it-IT" sz="1400" dirty="0">
+                <a:solidFill>
+                  <a:srgbClr val="008000"/>
+                </a:solidFill>
+                <a:latin typeface="Cascadia Mono" panose="020B0609020000020004" pitchFamily="49" charset="0"/>
+              </a:rPr>
+              <a:t>// &lt;----- CONTINUA</a:t>
             </a:r>
           </a:p>
           <a:p>
@@ -12848,7 +12061,7 @@
             </a:endParaRPr>
           </a:p>
           <a:p>
-            <a:endParaRPr lang="it-IT" sz="1400" dirty="0" smtClean="0">
+            <a:endParaRPr lang="it-IT" sz="1400" dirty="0">
               <a:solidFill>
                 <a:srgbClr val="008000"/>
               </a:solidFill>
@@ -12873,22 +12086,13 @@
           </a:p>
           <a:p>
             <a:r>
-              <a:rPr lang="it-IT" sz="1400" dirty="0" smtClean="0">
-                <a:solidFill>
-                  <a:srgbClr val="008000"/>
-                </a:solidFill>
-                <a:latin typeface="Cascadia Mono" panose="020B0609020000020004" pitchFamily="49" charset="0"/>
-              </a:rPr>
-              <a:t>   // </a:t>
-            </a:r>
-            <a:r>
-              <a:rPr lang="it-IT" sz="1400" dirty="0">
-                <a:solidFill>
-                  <a:srgbClr val="008000"/>
-                </a:solidFill>
-                <a:latin typeface="Cascadia Mono" panose="020B0609020000020004" pitchFamily="49" charset="0"/>
-              </a:rPr>
-              <a:t>setto le </a:t>
+              <a:rPr lang="it-IT" sz="1400" dirty="0">
+                <a:solidFill>
+                  <a:srgbClr val="008000"/>
+                </a:solidFill>
+                <a:latin typeface="Cascadia Mono" panose="020B0609020000020004" pitchFamily="49" charset="0"/>
+              </a:rPr>
+              <a:t>   // setto le </a:t>
             </a:r>
             <a:r>
               <a:rPr lang="it-IT" sz="1400" dirty="0" err="1">
@@ -12935,22 +12139,13 @@
           </a:p>
           <a:p>
             <a:r>
-              <a:rPr lang="it-IT" sz="1400" dirty="0" smtClean="0">
-                <a:solidFill>
-                  <a:srgbClr val="008000"/>
-                </a:solidFill>
-                <a:latin typeface="Cascadia Mono" panose="020B0609020000020004" pitchFamily="49" charset="0"/>
-              </a:rPr>
-              <a:t>   // </a:t>
-            </a:r>
-            <a:r>
-              <a:rPr lang="it-IT" sz="1400" dirty="0">
-                <a:solidFill>
-                  <a:srgbClr val="008000"/>
-                </a:solidFill>
-                <a:latin typeface="Cascadia Mono" panose="020B0609020000020004" pitchFamily="49" charset="0"/>
-              </a:rPr>
-              <a:t>si connette/disconnette/ci sono nuovi pacchetti contenenti lo stato del </a:t>
+              <a:rPr lang="it-IT" sz="1400" dirty="0">
+                <a:solidFill>
+                  <a:srgbClr val="008000"/>
+                </a:solidFill>
+                <a:latin typeface="Cascadia Mono" panose="020B0609020000020004" pitchFamily="49" charset="0"/>
+              </a:rPr>
+              <a:t>   // si connette/disconnette/ci sono nuovi pacchetti contenenti lo stato del </a:t>
             </a:r>
             <a:r>
               <a:rPr lang="it-IT" sz="1400" dirty="0" err="1">
@@ -12970,22 +12165,13 @@
           </a:p>
           <a:p>
             <a:r>
-              <a:rPr lang="it-IT" sz="1400" dirty="0" smtClean="0">
-                <a:solidFill>
-                  <a:srgbClr val="008000"/>
-                </a:solidFill>
-                <a:latin typeface="Cascadia Mono" panose="020B0609020000020004" pitchFamily="49" charset="0"/>
-              </a:rPr>
-              <a:t>   // </a:t>
-            </a:r>
-            <a:r>
-              <a:rPr lang="it-IT" sz="1400" dirty="0">
-                <a:solidFill>
-                  <a:srgbClr val="008000"/>
-                </a:solidFill>
-                <a:latin typeface="Cascadia Mono" panose="020B0609020000020004" pitchFamily="49" charset="0"/>
-              </a:rPr>
-              <a:t>(pulsanti premuti, posizione </a:t>
+              <a:rPr lang="it-IT" sz="1400" dirty="0">
+                <a:solidFill>
+                  <a:srgbClr val="008000"/>
+                </a:solidFill>
+                <a:latin typeface="Cascadia Mono" panose="020B0609020000020004" pitchFamily="49" charset="0"/>
+              </a:rPr>
+              <a:t>   // (pulsanti premuti, posizione </a:t>
             </a:r>
             <a:r>
               <a:rPr lang="it-IT" sz="1400" dirty="0" err="1">
@@ -13112,7 +12298,7 @@
           </a:p>
           <a:p>
             <a:r>
-              <a:rPr lang="it-IT" sz="1400" dirty="0" smtClean="0">
+              <a:rPr lang="it-IT" sz="1400" dirty="0">
                 <a:solidFill>
                   <a:srgbClr val="000000"/>
                 </a:solidFill>
@@ -13121,7 +12307,7 @@
               <a:t>   PS4.attachOnConnect(</a:t>
             </a:r>
             <a:r>
-              <a:rPr lang="it-IT" sz="1400" dirty="0" err="1" smtClean="0">
+              <a:rPr lang="it-IT" sz="1400" dirty="0" err="1">
                 <a:solidFill>
                   <a:srgbClr val="000000"/>
                 </a:solidFill>
@@ -13141,7 +12327,7 @@
           </a:p>
           <a:p>
             <a:r>
-              <a:rPr lang="it-IT" sz="1400" dirty="0" smtClean="0">
+              <a:rPr lang="it-IT" sz="1400" dirty="0">
                 <a:solidFill>
                   <a:srgbClr val="000000"/>
                 </a:solidFill>
@@ -13150,7 +12336,7 @@
               <a:t>   PS4.attachOnDisconnect(</a:t>
             </a:r>
             <a:r>
-              <a:rPr lang="it-IT" sz="1400" dirty="0" err="1" smtClean="0">
+              <a:rPr lang="it-IT" sz="1400" dirty="0" err="1">
                 <a:solidFill>
                   <a:srgbClr val="000000"/>
                 </a:solidFill>
@@ -13170,7 +12356,7 @@
           </a:p>
           <a:p>
             <a:r>
-              <a:rPr lang="it-IT" sz="1400" dirty="0" smtClean="0">
+              <a:rPr lang="it-IT" sz="1400" dirty="0">
                 <a:solidFill>
                   <a:srgbClr val="000000"/>
                 </a:solidFill>
@@ -13179,7 +12365,7 @@
               <a:t>   PS4.attach(</a:t>
             </a:r>
             <a:r>
-              <a:rPr lang="it-IT" sz="1400" dirty="0" err="1" smtClean="0">
+              <a:rPr lang="it-IT" sz="1400" dirty="0" err="1">
                 <a:solidFill>
                   <a:srgbClr val="000000"/>
                 </a:solidFill>
@@ -13228,7 +12414,7 @@
           </a:p>
           <a:p>
             <a:r>
-              <a:rPr lang="it-IT" sz="1400" dirty="0" smtClean="0">
+              <a:rPr lang="it-IT" sz="1400" dirty="0">
                 <a:solidFill>
                   <a:srgbClr val="000000"/>
                 </a:solidFill>
@@ -13237,7 +12423,7 @@
               <a:t>   Ps3.attachOnConnect(</a:t>
             </a:r>
             <a:r>
-              <a:rPr lang="it-IT" sz="1400" dirty="0" err="1" smtClean="0">
+              <a:rPr lang="it-IT" sz="1400" dirty="0" err="1">
                 <a:solidFill>
                   <a:srgbClr val="000000"/>
                 </a:solidFill>
@@ -13257,7 +12443,7 @@
           </a:p>
           <a:p>
             <a:r>
-              <a:rPr lang="it-IT" sz="1400" dirty="0" smtClean="0">
+              <a:rPr lang="it-IT" sz="1400" dirty="0">
                 <a:solidFill>
                   <a:srgbClr val="000000"/>
                 </a:solidFill>
@@ -13266,7 +12452,7 @@
               <a:t>   Ps3.attachOnDisconnect(</a:t>
             </a:r>
             <a:r>
-              <a:rPr lang="it-IT" sz="1400" dirty="0" err="1" smtClean="0">
+              <a:rPr lang="it-IT" sz="1400" dirty="0" err="1">
                 <a:solidFill>
                   <a:srgbClr val="000000"/>
                 </a:solidFill>
@@ -13286,7 +12472,7 @@
           </a:p>
           <a:p>
             <a:r>
-              <a:rPr lang="it-IT" sz="1400" dirty="0" smtClean="0">
+              <a:rPr lang="it-IT" sz="1400" dirty="0">
                 <a:solidFill>
                   <a:srgbClr val="000000"/>
                 </a:solidFill>
@@ -13295,7 +12481,7 @@
               <a:t>   Ps3.attach(</a:t>
             </a:r>
             <a:r>
-              <a:rPr lang="it-IT" sz="1400" dirty="0" err="1" smtClean="0">
+              <a:rPr lang="it-IT" sz="1400" dirty="0" err="1">
                 <a:solidFill>
                   <a:srgbClr val="000000"/>
                 </a:solidFill>
@@ -13489,7 +12675,7 @@
           <a:lstStyle/>
           <a:p>
             <a:r>
-              <a:rPr lang="it-IT" smtClean="0"/>
+              <a:rPr lang="it-IT"/>
               <a:t>Dettagli </a:t>
             </a:r>
             <a:r>
